--- a/relatorio/abntex2-modelos-1.9.2/figuras/diagramas2.pptx
+++ b/relatorio/abntex2-modelos-1.9.2/figuras/diagramas2.pptx
@@ -9,9 +9,11 @@
     <p:sldId id="261" r:id="rId3"/>
     <p:sldId id="257" r:id="rId4"/>
     <p:sldId id="258" r:id="rId5"/>
-    <p:sldId id="259" r:id="rId6"/>
-    <p:sldId id="260" r:id="rId7"/>
-    <p:sldId id="262" r:id="rId8"/>
+    <p:sldId id="263" r:id="rId6"/>
+    <p:sldId id="259" r:id="rId7"/>
+    <p:sldId id="260" r:id="rId8"/>
+    <p:sldId id="262" r:id="rId9"/>
+    <p:sldId id="264" r:id="rId10"/>
   </p:sldIdLst>
   <p:sldSz cx="12192000" cy="6858000"/>
   <p:notesSz cx="6858000" cy="9144000"/>
@@ -7620,50 +7622,6 @@
           <a:chExt cx="0" cy="0"/>
         </a:xfrm>
       </p:grpSpPr>
-      <p:sp>
-        <p:nvSpPr>
-          <p:cNvPr id="8" name="Retângulo de cantos arredondados 7"/>
-          <p:cNvSpPr/>
-          <p:nvPr/>
-        </p:nvSpPr>
-        <p:spPr>
-          <a:xfrm>
-            <a:off x="7325662" y="2819421"/>
-            <a:ext cx="1790163" cy="577127"/>
-          </a:xfrm>
-          <a:prstGeom prst="roundRect">
-            <a:avLst/>
-          </a:prstGeom>
-        </p:spPr>
-        <p:style>
-          <a:lnRef idx="2">
-            <a:schemeClr val="accent6">
-              <a:shade val="50000"/>
-            </a:schemeClr>
-          </a:lnRef>
-          <a:fillRef idx="1">
-            <a:schemeClr val="accent6"/>
-          </a:fillRef>
-          <a:effectRef idx="0">
-            <a:schemeClr val="accent6"/>
-          </a:effectRef>
-          <a:fontRef idx="minor">
-            <a:schemeClr val="lt1"/>
-          </a:fontRef>
-        </p:style>
-        <p:txBody>
-          <a:bodyPr rtlCol="0" anchor="ctr"/>
-          <a:lstStyle/>
-          <a:p>
-            <a:pPr algn="ctr"/>
-            <a:r>
-              <a:rPr lang="pt-PT" dirty="0" smtClean="0"/>
-              <a:t>FFmpeg MPEG2 Muxer</a:t>
-            </a:r>
-            <a:endParaRPr lang="pt-PT" dirty="0" smtClean="0"/>
-          </a:p>
-        </p:txBody>
-      </p:sp>
       <p:grpSp>
         <p:nvGrpSpPr>
           <p:cNvPr id="15" name="Grupo 14"/>
@@ -7672,7 +7630,7 @@
         </p:nvGrpSpPr>
         <p:grpSpPr>
           <a:xfrm rot="10800000">
-            <a:off x="10029950" y="2075035"/>
+            <a:off x="9895526" y="885369"/>
             <a:ext cx="768456" cy="1113827"/>
             <a:chOff x="2492375" y="2743199"/>
             <a:chExt cx="1082802" cy="1569450"/>
@@ -7757,87 +7715,14 @@
       </p:grpSp>
       <p:sp>
         <p:nvSpPr>
-          <p:cNvPr id="24" name="Retângulo de cantos arredondados 23"/>
-          <p:cNvSpPr/>
-          <p:nvPr/>
-        </p:nvSpPr>
-        <p:spPr>
-          <a:xfrm>
-            <a:off x="2133467" y="2258248"/>
-            <a:ext cx="851436" cy="849737"/>
-          </a:xfrm>
-          <a:prstGeom prst="roundRect">
-            <a:avLst/>
-          </a:prstGeom>
-          <a:noFill/>
-        </p:spPr>
-        <p:style>
-          <a:lnRef idx="2">
-            <a:schemeClr val="accent4">
-              <a:shade val="50000"/>
-            </a:schemeClr>
-          </a:lnRef>
-          <a:fillRef idx="1">
-            <a:schemeClr val="accent4"/>
-          </a:fillRef>
-          <a:effectRef idx="0">
-            <a:schemeClr val="accent4"/>
-          </a:effectRef>
-          <a:fontRef idx="minor">
-            <a:schemeClr val="lt1"/>
-          </a:fontRef>
-        </p:style>
-        <p:txBody>
-          <a:bodyPr rtlCol="0" anchor="ctr"/>
-          <a:lstStyle/>
-          <a:p>
-            <a:pPr algn="ctr"/>
-            <a:r>
-              <a:rPr lang="pt-PT" sz="1400" dirty="0" smtClean="0">
-                <a:ln w="0"/>
-                <a:solidFill>
-                  <a:schemeClr val="tx1"/>
-                </a:solidFill>
-                <a:effectLst>
-                  <a:outerShdw blurRad="38100" dist="19050" dir="2700000" algn="tl" rotWithShape="0">
-                    <a:schemeClr val="dk1">
-                      <a:alpha val="40000"/>
-                    </a:schemeClr>
-                  </a:outerShdw>
-                </a:effectLst>
-                <a:latin typeface="Consolas" panose="020B0609020204030204" pitchFamily="49" charset="0"/>
-                <a:cs typeface="Consolas" panose="020B0609020204030204" pitchFamily="49" charset="0"/>
-              </a:rPr>
-              <a:t>010110101010110</a:t>
-            </a:r>
-            <a:endParaRPr lang="pt-BR" sz="1400" dirty="0">
-              <a:ln w="0"/>
-              <a:solidFill>
-                <a:schemeClr val="tx1"/>
-              </a:solidFill>
-              <a:effectLst>
-                <a:outerShdw blurRad="38100" dist="19050" dir="2700000" algn="tl" rotWithShape="0">
-                  <a:schemeClr val="dk1">
-                    <a:alpha val="40000"/>
-                  </a:schemeClr>
-                </a:outerShdw>
-              </a:effectLst>
-              <a:latin typeface="Consolas" panose="020B0609020204030204" pitchFamily="49" charset="0"/>
-              <a:cs typeface="Consolas" panose="020B0609020204030204" pitchFamily="49" charset="0"/>
-            </a:endParaRPr>
-          </a:p>
-        </p:txBody>
-      </p:sp>
-      <p:sp>
-        <p:nvSpPr>
           <p:cNvPr id="76" name="Retângulo de cantos arredondados 75"/>
           <p:cNvSpPr/>
           <p:nvPr/>
         </p:nvSpPr>
         <p:spPr>
           <a:xfrm>
-            <a:off x="9519097" y="1176504"/>
-            <a:ext cx="1790163" cy="424868"/>
+            <a:off x="9384673" y="2327602"/>
+            <a:ext cx="1790163" cy="481637"/>
           </a:xfrm>
           <a:prstGeom prst="roundRect">
             <a:avLst/>
@@ -7866,102 +7751,24 @@
             <a:pPr algn="ctr"/>
             <a:r>
               <a:rPr lang="pt-PT" dirty="0" smtClean="0"/>
-              <a:t>EiTV Modulator</a:t>
+              <a:t>Dektec DTA-115</a:t>
             </a:r>
             <a:endParaRPr lang="pt-PT" dirty="0" smtClean="0"/>
           </a:p>
         </p:txBody>
       </p:sp>
-      <p:cxnSp>
-        <p:nvCxnSpPr>
-          <p:cNvPr id="90" name="Conector angulado 89"/>
-          <p:cNvCxnSpPr>
-            <a:stCxn id="24" idx="3"/>
-            <a:endCxn id="8" idx="1"/>
-          </p:cNvCxnSpPr>
-          <p:nvPr/>
-        </p:nvCxnSpPr>
-        <p:spPr>
-          <a:xfrm>
-            <a:off x="2984903" y="2683117"/>
-            <a:ext cx="4340759" cy="424868"/>
-          </a:xfrm>
-          <a:prstGeom prst="bentConnector3">
-            <a:avLst>
-              <a:gd name="adj1" fmla="val 50000"/>
-            </a:avLst>
-          </a:prstGeom>
-          <a:ln>
-            <a:tailEnd type="triangle"/>
-          </a:ln>
-        </p:spPr>
-        <p:style>
-          <a:lnRef idx="1">
-            <a:schemeClr val="accent1"/>
-          </a:lnRef>
-          <a:fillRef idx="0">
-            <a:schemeClr val="accent1"/>
-          </a:fillRef>
-          <a:effectRef idx="0">
-            <a:schemeClr val="accent1"/>
-          </a:effectRef>
-          <a:fontRef idx="minor">
-            <a:schemeClr val="tx1"/>
-          </a:fontRef>
-        </p:style>
-      </p:cxnSp>
-      <p:cxnSp>
-        <p:nvCxnSpPr>
-          <p:cNvPr id="95" name="Conector angulado 94"/>
-          <p:cNvCxnSpPr>
-            <a:stCxn id="8" idx="3"/>
-            <a:endCxn id="76" idx="0"/>
-          </p:cNvCxnSpPr>
-          <p:nvPr/>
-        </p:nvCxnSpPr>
-        <p:spPr>
-          <a:xfrm flipV="1">
-            <a:off x="9115825" y="1176504"/>
-            <a:ext cx="1298354" cy="1931481"/>
-          </a:xfrm>
-          <a:prstGeom prst="bentConnector4">
-            <a:avLst>
-              <a:gd name="adj1" fmla="val 15530"/>
-              <a:gd name="adj2" fmla="val 111835"/>
-            </a:avLst>
-          </a:prstGeom>
-          <a:ln>
-            <a:tailEnd type="triangle"/>
-          </a:ln>
-        </p:spPr>
-        <p:style>
-          <a:lnRef idx="1">
-            <a:schemeClr val="accent1"/>
-          </a:lnRef>
-          <a:fillRef idx="0">
-            <a:schemeClr val="accent1"/>
-          </a:fillRef>
-          <a:effectRef idx="0">
-            <a:schemeClr val="accent1"/>
-          </a:effectRef>
-          <a:fontRef idx="minor">
-            <a:schemeClr val="tx1"/>
-          </a:fontRef>
-        </p:style>
-      </p:cxnSp>
       <p:cxnSp>
         <p:nvCxnSpPr>
           <p:cNvPr id="100" name="Conector angulado 99"/>
           <p:cNvCxnSpPr>
-            <a:stCxn id="76" idx="2"/>
-            <a:endCxn id="16" idx="3"/>
+            <a:stCxn id="76" idx="0"/>
           </p:cNvCxnSpPr>
           <p:nvPr/>
         </p:nvCxnSpPr>
         <p:spPr>
-          <a:xfrm rot="5400000">
-            <a:off x="10177348" y="1838203"/>
-            <a:ext cx="473663" cy="1"/>
+          <a:xfrm rot="16200000" flipV="1">
+            <a:off x="10150465" y="2198311"/>
+            <a:ext cx="258580" cy="1"/>
           </a:xfrm>
           <a:prstGeom prst="bentConnector3">
             <a:avLst>
@@ -8055,14 +7862,14 @@
       </p:sp>
       <p:sp>
         <p:nvSpPr>
-          <p:cNvPr id="113" name="CaixaDeTexto 112"/>
+          <p:cNvPr id="98" name="CaixaDeTexto 97"/>
           <p:cNvSpPr txBox="1"/>
           <p:nvPr/>
         </p:nvSpPr>
         <p:spPr>
           <a:xfrm>
-            <a:off x="8271461" y="1992026"/>
-            <a:ext cx="1500029" cy="523220"/>
+            <a:off x="9443340" y="1529436"/>
+            <a:ext cx="836414" cy="307777"/>
           </a:xfrm>
           <a:prstGeom prst="rect">
             <a:avLst/>
@@ -8078,18 +7885,7 @@
             <a:pPr algn="ctr"/>
             <a:r>
               <a:rPr lang="pt-PT" sz="1400" dirty="0" smtClean="0"/>
-              <a:t>Multi-Service</a:t>
-            </a:r>
-          </a:p>
-          <a:p>
-            <a:pPr algn="ctr"/>
-            <a:r>
-              <a:rPr lang="pt-PT" sz="1400" dirty="0" smtClean="0"/>
-              <a:t>Transport </a:t>
-            </a:r>
-            <a:r>
-              <a:rPr lang="pt-PT" sz="1400" dirty="0" smtClean="0"/>
-              <a:t>Stream</a:t>
+              <a:t>Antenna</a:t>
             </a:r>
             <a:endParaRPr lang="pt-BR" sz="1400" dirty="0"/>
           </a:p>
@@ -8097,13 +7893,13 @@
       </p:sp>
       <p:sp>
         <p:nvSpPr>
-          <p:cNvPr id="60" name="CaixaDeTexto 59"/>
+          <p:cNvPr id="101" name="CaixaDeTexto 100"/>
           <p:cNvSpPr txBox="1"/>
           <p:nvPr/>
         </p:nvSpPr>
         <p:spPr>
           <a:xfrm>
-            <a:off x="5752489" y="401062"/>
+            <a:off x="8185061" y="3067820"/>
             <a:ext cx="1500029" cy="523220"/>
           </a:xfrm>
           <a:prstGeom prst="rect">
@@ -8120,133 +7916,20 @@
             <a:pPr algn="ctr"/>
             <a:r>
               <a:rPr lang="pt-PT" sz="1400" dirty="0" smtClean="0"/>
-              <a:t>Full-Seg</a:t>
-            </a:r>
-          </a:p>
-          <a:p>
-            <a:pPr algn="ctr"/>
-            <a:r>
-              <a:rPr lang="pt-PT" sz="1400" dirty="0" smtClean="0"/>
-              <a:t>Single-Service TS</a:t>
-            </a:r>
-            <a:endParaRPr lang="pt-BR" sz="1400" dirty="0"/>
-          </a:p>
-        </p:txBody>
-      </p:sp>
-      <p:sp>
-        <p:nvSpPr>
-          <p:cNvPr id="98" name="CaixaDeTexto 97"/>
-          <p:cNvSpPr txBox="1"/>
-          <p:nvPr/>
-        </p:nvSpPr>
-        <p:spPr>
-          <a:xfrm>
-            <a:off x="10145330" y="2693761"/>
-            <a:ext cx="1500029" cy="307777"/>
-          </a:xfrm>
-          <a:prstGeom prst="rect">
-            <a:avLst/>
-          </a:prstGeom>
-          <a:noFill/>
-        </p:spPr>
-        <p:txBody>
-          <a:bodyPr wrap="square" rtlCol="0">
-            <a:spAutoFit/>
-          </a:bodyPr>
-          <a:lstStyle/>
-          <a:p>
-            <a:pPr algn="ctr"/>
-            <a:r>
-              <a:rPr lang="pt-PT" sz="1400" dirty="0" smtClean="0"/>
-              <a:t>Antenna</a:t>
-            </a:r>
-            <a:endParaRPr lang="pt-BR" sz="1400" dirty="0"/>
-          </a:p>
-        </p:txBody>
-      </p:sp>
-      <p:sp>
-        <p:nvSpPr>
-          <p:cNvPr id="101" name="CaixaDeTexto 100"/>
-          <p:cNvSpPr txBox="1"/>
-          <p:nvPr/>
-        </p:nvSpPr>
-        <p:spPr>
-          <a:xfrm>
-            <a:off x="3366237" y="1560937"/>
-            <a:ext cx="1500029" cy="523220"/>
-          </a:xfrm>
-          <a:prstGeom prst="rect">
-            <a:avLst/>
-          </a:prstGeom>
-          <a:noFill/>
-        </p:spPr>
-        <p:txBody>
-          <a:bodyPr wrap="square" rtlCol="0">
-            <a:spAutoFit/>
-          </a:bodyPr>
-          <a:lstStyle/>
+              <a:t>Captured</a:t>
+            </a:r>
+          </a:p>
           <a:p>
             <a:pPr algn="ctr"/>
             <a:r>
               <a:rPr lang="pt-PT" sz="1400" dirty="0" smtClean="0"/>
               <a:t>Multi-Service</a:t>
             </a:r>
-          </a:p>
-          <a:p>
-            <a:pPr algn="ctr"/>
-            <a:r>
-              <a:rPr lang="pt-PT" sz="1400" dirty="0" smtClean="0"/>
-              <a:t>Transport </a:t>
-            </a:r>
-            <a:r>
-              <a:rPr lang="pt-PT" sz="1400" dirty="0" smtClean="0"/>
-              <a:t>Stream</a:t>
-            </a:r>
-            <a:endParaRPr lang="pt-BR" sz="1400" dirty="0"/>
-          </a:p>
-        </p:txBody>
-      </p:sp>
-      <p:sp>
-        <p:nvSpPr>
-          <p:cNvPr id="102" name="Retângulo de cantos arredondados 101"/>
-          <p:cNvSpPr/>
-          <p:nvPr/>
-        </p:nvSpPr>
-        <p:spPr>
-          <a:xfrm>
-            <a:off x="3971184" y="904874"/>
-            <a:ext cx="1781305" cy="577127"/>
-          </a:xfrm>
-          <a:prstGeom prst="roundRect">
-            <a:avLst/>
-          </a:prstGeom>
-        </p:spPr>
-        <p:style>
-          <a:lnRef idx="2">
-            <a:schemeClr val="accent6">
-              <a:shade val="50000"/>
-            </a:schemeClr>
-          </a:lnRef>
-          <a:fillRef idx="1">
-            <a:schemeClr val="accent6"/>
-          </a:fillRef>
-          <a:effectRef idx="0">
-            <a:schemeClr val="accent6"/>
-          </a:effectRef>
-          <a:fontRef idx="minor">
-            <a:schemeClr val="lt1"/>
-          </a:fontRef>
-        </p:style>
-        <p:txBody>
-          <a:bodyPr rtlCol="0" anchor="ctr"/>
-          <a:lstStyle/>
-          <a:p>
-            <a:pPr algn="ctr"/>
-            <a:r>
-              <a:rPr lang="pt-PT" dirty="0" smtClean="0"/>
-              <a:t>FFmpeg MPEG2 Demuxer</a:t>
-            </a:r>
-            <a:endParaRPr lang="pt-PT" dirty="0" smtClean="0"/>
+            <a:r>
+              <a:rPr lang="pt-BR" sz="1400" dirty="0" smtClean="0"/>
+              <a:t> TS</a:t>
+            </a:r>
+            <a:endParaRPr lang="pt-PT" sz="1400" dirty="0" smtClean="0"/>
           </a:p>
         </p:txBody>
       </p:sp>
@@ -8254,18 +7937,19 @@
         <p:nvCxnSpPr>
           <p:cNvPr id="104" name="Conector angulado 103"/>
           <p:cNvCxnSpPr>
-            <a:endCxn id="102" idx="1"/>
+            <a:stCxn id="89" idx="2"/>
+            <a:endCxn id="76" idx="2"/>
           </p:cNvCxnSpPr>
           <p:nvPr/>
         </p:nvCxnSpPr>
         <p:spPr>
-          <a:xfrm>
-            <a:off x="2741735" y="1193437"/>
-            <a:ext cx="1229449" cy="1"/>
+          <a:xfrm rot="16200000" flipH="1">
+            <a:off x="8768434" y="1297918"/>
+            <a:ext cx="610928" cy="2411713"/>
           </a:xfrm>
           <a:prstGeom prst="bentConnector3">
             <a:avLst>
-              <a:gd name="adj1" fmla="val 50000"/>
+              <a:gd name="adj1" fmla="val 137418"/>
             </a:avLst>
           </a:prstGeom>
           <a:ln>
@@ -8317,7 +8001,7 @@
         </p:blipFill>
         <p:spPr>
           <a:xfrm flipH="1">
-            <a:off x="1769213" y="333374"/>
+            <a:off x="7078070" y="1055310"/>
             <a:ext cx="1579944" cy="1143001"/>
           </a:xfrm>
           <a:prstGeom prst="rect">
@@ -8325,114 +8009,6 @@
           </a:prstGeom>
         </p:spPr>
       </p:pic>
-      <p:sp>
-        <p:nvSpPr>
-          <p:cNvPr id="111" name="CaixaDeTexto 110"/>
-          <p:cNvSpPr txBox="1"/>
-          <p:nvPr/>
-        </p:nvSpPr>
-        <p:spPr>
-          <a:xfrm>
-            <a:off x="5740061" y="1315948"/>
-            <a:ext cx="1403690" cy="523220"/>
-          </a:xfrm>
-          <a:prstGeom prst="rect">
-            <a:avLst/>
-          </a:prstGeom>
-          <a:noFill/>
-        </p:spPr>
-        <p:txBody>
-          <a:bodyPr wrap="square" rtlCol="0">
-            <a:spAutoFit/>
-          </a:bodyPr>
-          <a:lstStyle/>
-          <a:p>
-            <a:pPr algn="ctr"/>
-            <a:r>
-              <a:rPr lang="pt-PT" sz="1400" dirty="0" smtClean="0"/>
-              <a:t> 1-Seg </a:t>
-            </a:r>
-          </a:p>
-          <a:p>
-            <a:pPr algn="ctr"/>
-            <a:r>
-              <a:rPr lang="pt-PT" sz="1400" dirty="0" smtClean="0"/>
-              <a:t>Single-Service TS</a:t>
-            </a:r>
-            <a:endParaRPr lang="pt-BR" sz="1400" dirty="0"/>
-          </a:p>
-        </p:txBody>
-      </p:sp>
-      <p:cxnSp>
-        <p:nvCxnSpPr>
-          <p:cNvPr id="112" name="Conector angulado 111"/>
-          <p:cNvCxnSpPr>
-            <a:endCxn id="8" idx="0"/>
-          </p:cNvCxnSpPr>
-          <p:nvPr/>
-        </p:nvCxnSpPr>
-        <p:spPr>
-          <a:xfrm>
-            <a:off x="5752488" y="1060586"/>
-            <a:ext cx="2468256" cy="1758835"/>
-          </a:xfrm>
-          <a:prstGeom prst="bentConnector2">
-            <a:avLst/>
-          </a:prstGeom>
-          <a:ln>
-            <a:tailEnd type="triangle"/>
-          </a:ln>
-        </p:spPr>
-        <p:style>
-          <a:lnRef idx="1">
-            <a:schemeClr val="accent1"/>
-          </a:lnRef>
-          <a:fillRef idx="0">
-            <a:schemeClr val="accent1"/>
-          </a:fillRef>
-          <a:effectRef idx="0">
-            <a:schemeClr val="accent1"/>
-          </a:effectRef>
-          <a:fontRef idx="minor">
-            <a:schemeClr val="tx1"/>
-          </a:fontRef>
-        </p:style>
-      </p:cxnSp>
-      <p:cxnSp>
-        <p:nvCxnSpPr>
-          <p:cNvPr id="117" name="Conector angulado 116"/>
-          <p:cNvCxnSpPr/>
-          <p:nvPr/>
-        </p:nvCxnSpPr>
-        <p:spPr>
-          <a:xfrm>
-            <a:off x="5752489" y="1319167"/>
-            <a:ext cx="2132156" cy="1500254"/>
-          </a:xfrm>
-          <a:prstGeom prst="bentConnector3">
-            <a:avLst>
-              <a:gd name="adj1" fmla="val 100481"/>
-            </a:avLst>
-          </a:prstGeom>
-          <a:ln>
-            <a:tailEnd type="triangle"/>
-          </a:ln>
-        </p:spPr>
-        <p:style>
-          <a:lnRef idx="1">
-            <a:schemeClr val="accent1"/>
-          </a:lnRef>
-          <a:fillRef idx="0">
-            <a:schemeClr val="accent1"/>
-          </a:fillRef>
-          <a:effectRef idx="0">
-            <a:schemeClr val="accent1"/>
-          </a:effectRef>
-          <a:fontRef idx="minor">
-            <a:schemeClr val="tx1"/>
-          </a:fontRef>
-        </p:style>
-      </p:cxnSp>
     </p:spTree>
     <p:extLst>
       <p:ext uri="{BB962C8B-B14F-4D97-AF65-F5344CB8AC3E}">
@@ -8472,6 +8048,878 @@
       </p:grpSpPr>
       <p:sp>
         <p:nvSpPr>
+          <p:cNvPr id="8" name="Retângulo de cantos arredondados 7"/>
+          <p:cNvSpPr/>
+          <p:nvPr/>
+        </p:nvSpPr>
+        <p:spPr>
+          <a:xfrm>
+            <a:off x="7325662" y="2819421"/>
+            <a:ext cx="1790163" cy="577127"/>
+          </a:xfrm>
+          <a:prstGeom prst="roundRect">
+            <a:avLst/>
+          </a:prstGeom>
+        </p:spPr>
+        <p:style>
+          <a:lnRef idx="2">
+            <a:schemeClr val="accent6">
+              <a:shade val="50000"/>
+            </a:schemeClr>
+          </a:lnRef>
+          <a:fillRef idx="1">
+            <a:schemeClr val="accent6"/>
+          </a:fillRef>
+          <a:effectRef idx="0">
+            <a:schemeClr val="accent6"/>
+          </a:effectRef>
+          <a:fontRef idx="minor">
+            <a:schemeClr val="lt1"/>
+          </a:fontRef>
+        </p:style>
+        <p:txBody>
+          <a:bodyPr rtlCol="0" anchor="ctr"/>
+          <a:lstStyle/>
+          <a:p>
+            <a:pPr algn="ctr"/>
+            <a:r>
+              <a:rPr lang="pt-PT" dirty="0" smtClean="0"/>
+              <a:t>FFmpeg MPEG2 Muxer</a:t>
+            </a:r>
+            <a:endParaRPr lang="pt-PT" dirty="0" smtClean="0"/>
+          </a:p>
+        </p:txBody>
+      </p:sp>
+      <p:grpSp>
+        <p:nvGrpSpPr>
+          <p:cNvPr id="15" name="Grupo 14"/>
+          <p:cNvGrpSpPr/>
+          <p:nvPr/>
+        </p:nvGrpSpPr>
+        <p:grpSpPr>
+          <a:xfrm rot="10800000">
+            <a:off x="9895526" y="885369"/>
+            <a:ext cx="768456" cy="1113827"/>
+            <a:chOff x="2492375" y="2743199"/>
+            <a:chExt cx="1082802" cy="1569450"/>
+          </a:xfrm>
+        </p:grpSpPr>
+        <p:sp>
+          <p:nvSpPr>
+            <p:cNvPr id="16" name="Triângulo isósceles 15"/>
+            <p:cNvSpPr/>
+            <p:nvPr/>
+          </p:nvSpPr>
+          <p:spPr>
+            <a:xfrm>
+              <a:off x="2492375" y="3379199"/>
+              <a:ext cx="1082802" cy="933450"/>
+            </a:xfrm>
+            <a:prstGeom prst="triangle">
+              <a:avLst/>
+            </a:prstGeom>
+            <a:ln>
+              <a:solidFill>
+                <a:schemeClr val="tx1"/>
+              </a:solidFill>
+            </a:ln>
+          </p:spPr>
+          <p:style>
+            <a:lnRef idx="2">
+              <a:schemeClr val="accent6"/>
+            </a:lnRef>
+            <a:fillRef idx="1">
+              <a:schemeClr val="lt1"/>
+            </a:fillRef>
+            <a:effectRef idx="0">
+              <a:schemeClr val="accent6"/>
+            </a:effectRef>
+            <a:fontRef idx="minor">
+              <a:schemeClr val="dk1"/>
+            </a:fontRef>
+          </p:style>
+          <p:txBody>
+            <a:bodyPr rtlCol="0" anchor="ctr"/>
+            <a:lstStyle/>
+            <a:p>
+              <a:pPr algn="ctr"/>
+              <a:endParaRPr lang="pt-BR"/>
+            </a:p>
+          </p:txBody>
+        </p:sp>
+        <p:cxnSp>
+          <p:nvCxnSpPr>
+            <p:cNvPr id="17" name="Conector reto 16"/>
+            <p:cNvCxnSpPr>
+              <a:stCxn id="16" idx="3"/>
+            </p:cNvCxnSpPr>
+            <p:nvPr/>
+          </p:nvCxnSpPr>
+          <p:spPr>
+            <a:xfrm flipV="1">
+              <a:off x="3033776" y="2743199"/>
+              <a:ext cx="0" cy="1569450"/>
+            </a:xfrm>
+            <a:prstGeom prst="line">
+              <a:avLst/>
+            </a:prstGeom>
+            <a:ln w="12700"/>
+          </p:spPr>
+          <p:style>
+            <a:lnRef idx="1">
+              <a:schemeClr val="dk1"/>
+            </a:lnRef>
+            <a:fillRef idx="0">
+              <a:schemeClr val="dk1"/>
+            </a:fillRef>
+            <a:effectRef idx="0">
+              <a:schemeClr val="dk1"/>
+            </a:effectRef>
+            <a:fontRef idx="minor">
+              <a:schemeClr val="tx1"/>
+            </a:fontRef>
+          </p:style>
+        </p:cxnSp>
+      </p:grpSp>
+      <p:sp>
+        <p:nvSpPr>
+          <p:cNvPr id="24" name="Retângulo de cantos arredondados 23"/>
+          <p:cNvSpPr/>
+          <p:nvPr/>
+        </p:nvSpPr>
+        <p:spPr>
+          <a:xfrm>
+            <a:off x="2316017" y="2677546"/>
+            <a:ext cx="851436" cy="849737"/>
+          </a:xfrm>
+          <a:prstGeom prst="roundRect">
+            <a:avLst/>
+          </a:prstGeom>
+          <a:noFill/>
+        </p:spPr>
+        <p:style>
+          <a:lnRef idx="2">
+            <a:schemeClr val="accent4">
+              <a:shade val="50000"/>
+            </a:schemeClr>
+          </a:lnRef>
+          <a:fillRef idx="1">
+            <a:schemeClr val="accent4"/>
+          </a:fillRef>
+          <a:effectRef idx="0">
+            <a:schemeClr val="accent4"/>
+          </a:effectRef>
+          <a:fontRef idx="minor">
+            <a:schemeClr val="lt1"/>
+          </a:fontRef>
+        </p:style>
+        <p:txBody>
+          <a:bodyPr rtlCol="0" anchor="ctr"/>
+          <a:lstStyle/>
+          <a:p>
+            <a:pPr algn="ctr"/>
+            <a:r>
+              <a:rPr lang="pt-PT" sz="1400" dirty="0" smtClean="0">
+                <a:ln w="0"/>
+                <a:solidFill>
+                  <a:schemeClr val="tx1"/>
+                </a:solidFill>
+                <a:effectLst>
+                  <a:outerShdw blurRad="38100" dist="19050" dir="2700000" algn="tl" rotWithShape="0">
+                    <a:schemeClr val="dk1">
+                      <a:alpha val="40000"/>
+                    </a:schemeClr>
+                  </a:outerShdw>
+                </a:effectLst>
+                <a:latin typeface="Consolas" panose="020B0609020204030204" pitchFamily="49" charset="0"/>
+                <a:cs typeface="Consolas" panose="020B0609020204030204" pitchFamily="49" charset="0"/>
+              </a:rPr>
+              <a:t>010110101010110</a:t>
+            </a:r>
+            <a:endParaRPr lang="pt-BR" sz="1400" dirty="0">
+              <a:ln w="0"/>
+              <a:solidFill>
+                <a:schemeClr val="tx1"/>
+              </a:solidFill>
+              <a:effectLst>
+                <a:outerShdw blurRad="38100" dist="19050" dir="2700000" algn="tl" rotWithShape="0">
+                  <a:schemeClr val="dk1">
+                    <a:alpha val="40000"/>
+                  </a:schemeClr>
+                </a:outerShdw>
+              </a:effectLst>
+              <a:latin typeface="Consolas" panose="020B0609020204030204" pitchFamily="49" charset="0"/>
+              <a:cs typeface="Consolas" panose="020B0609020204030204" pitchFamily="49" charset="0"/>
+            </a:endParaRPr>
+          </a:p>
+        </p:txBody>
+      </p:sp>
+      <p:sp>
+        <p:nvSpPr>
+          <p:cNvPr id="76" name="Retângulo de cantos arredondados 75"/>
+          <p:cNvSpPr/>
+          <p:nvPr/>
+        </p:nvSpPr>
+        <p:spPr>
+          <a:xfrm>
+            <a:off x="9384673" y="2327602"/>
+            <a:ext cx="1790163" cy="481637"/>
+          </a:xfrm>
+          <a:prstGeom prst="roundRect">
+            <a:avLst/>
+          </a:prstGeom>
+        </p:spPr>
+        <p:style>
+          <a:lnRef idx="2">
+            <a:schemeClr val="accent6">
+              <a:shade val="50000"/>
+            </a:schemeClr>
+          </a:lnRef>
+          <a:fillRef idx="1">
+            <a:schemeClr val="accent6"/>
+          </a:fillRef>
+          <a:effectRef idx="0">
+            <a:schemeClr val="accent6"/>
+          </a:effectRef>
+          <a:fontRef idx="minor">
+            <a:schemeClr val="lt1"/>
+          </a:fontRef>
+        </p:style>
+        <p:txBody>
+          <a:bodyPr rtlCol="0" anchor="ctr"/>
+          <a:lstStyle/>
+          <a:p>
+            <a:pPr algn="ctr"/>
+            <a:r>
+              <a:rPr lang="pt-PT" dirty="0" smtClean="0"/>
+              <a:t>Dektec DTA-115</a:t>
+            </a:r>
+            <a:endParaRPr lang="pt-PT" dirty="0" smtClean="0"/>
+          </a:p>
+        </p:txBody>
+      </p:sp>
+      <p:cxnSp>
+        <p:nvCxnSpPr>
+          <p:cNvPr id="90" name="Conector angulado 89"/>
+          <p:cNvCxnSpPr>
+            <a:stCxn id="24" idx="3"/>
+            <a:endCxn id="8" idx="1"/>
+          </p:cNvCxnSpPr>
+          <p:nvPr/>
+        </p:nvCxnSpPr>
+        <p:spPr>
+          <a:xfrm>
+            <a:off x="3167453" y="3102415"/>
+            <a:ext cx="4158209" cy="5570"/>
+          </a:xfrm>
+          <a:prstGeom prst="bentConnector3">
+            <a:avLst>
+              <a:gd name="adj1" fmla="val 50000"/>
+            </a:avLst>
+          </a:prstGeom>
+          <a:ln>
+            <a:tailEnd type="triangle"/>
+          </a:ln>
+        </p:spPr>
+        <p:style>
+          <a:lnRef idx="1">
+            <a:schemeClr val="accent1"/>
+          </a:lnRef>
+          <a:fillRef idx="0">
+            <a:schemeClr val="accent1"/>
+          </a:fillRef>
+          <a:effectRef idx="0">
+            <a:schemeClr val="accent1"/>
+          </a:effectRef>
+          <a:fontRef idx="minor">
+            <a:schemeClr val="tx1"/>
+          </a:fontRef>
+        </p:style>
+      </p:cxnSp>
+      <p:cxnSp>
+        <p:nvCxnSpPr>
+          <p:cNvPr id="95" name="Conector angulado 94"/>
+          <p:cNvCxnSpPr>
+            <a:stCxn id="8" idx="3"/>
+            <a:endCxn id="76" idx="2"/>
+          </p:cNvCxnSpPr>
+          <p:nvPr/>
+        </p:nvCxnSpPr>
+        <p:spPr>
+          <a:xfrm flipV="1">
+            <a:off x="9115825" y="2809239"/>
+            <a:ext cx="1163930" cy="298746"/>
+          </a:xfrm>
+          <a:prstGeom prst="bentConnector2">
+            <a:avLst/>
+          </a:prstGeom>
+          <a:ln>
+            <a:tailEnd type="triangle"/>
+          </a:ln>
+        </p:spPr>
+        <p:style>
+          <a:lnRef idx="1">
+            <a:schemeClr val="accent1"/>
+          </a:lnRef>
+          <a:fillRef idx="0">
+            <a:schemeClr val="accent1"/>
+          </a:fillRef>
+          <a:effectRef idx="0">
+            <a:schemeClr val="accent1"/>
+          </a:effectRef>
+          <a:fontRef idx="minor">
+            <a:schemeClr val="tx1"/>
+          </a:fontRef>
+        </p:style>
+      </p:cxnSp>
+      <p:cxnSp>
+        <p:nvCxnSpPr>
+          <p:cNvPr id="100" name="Conector angulado 99"/>
+          <p:cNvCxnSpPr>
+            <a:stCxn id="76" idx="0"/>
+          </p:cNvCxnSpPr>
+          <p:nvPr/>
+        </p:nvCxnSpPr>
+        <p:spPr>
+          <a:xfrm rot="16200000" flipV="1">
+            <a:off x="10150465" y="2198311"/>
+            <a:ext cx="258580" cy="1"/>
+          </a:xfrm>
+          <a:prstGeom prst="bentConnector3">
+            <a:avLst>
+              <a:gd name="adj1" fmla="val 50000"/>
+            </a:avLst>
+          </a:prstGeom>
+          <a:ln>
+            <a:solidFill>
+              <a:schemeClr val="tx1"/>
+            </a:solidFill>
+            <a:prstDash val="lgDashDotDot"/>
+            <a:tailEnd type="triangle"/>
+          </a:ln>
+        </p:spPr>
+        <p:style>
+          <a:lnRef idx="1">
+            <a:schemeClr val="accent1"/>
+          </a:lnRef>
+          <a:fillRef idx="0">
+            <a:schemeClr val="accent1"/>
+          </a:fillRef>
+          <a:effectRef idx="0">
+            <a:schemeClr val="accent1"/>
+          </a:effectRef>
+          <a:fontRef idx="minor">
+            <a:schemeClr val="tx1"/>
+          </a:fontRef>
+        </p:style>
+      </p:cxnSp>
+      <p:sp>
+        <p:nvSpPr>
+          <p:cNvPr id="103" name="CaixaDeTexto 102"/>
+          <p:cNvSpPr txBox="1"/>
+          <p:nvPr/>
+        </p:nvSpPr>
+        <p:spPr>
+          <a:xfrm>
+            <a:off x="9771490" y="5230053"/>
+            <a:ext cx="2420510" cy="307777"/>
+          </a:xfrm>
+          <a:prstGeom prst="rect">
+            <a:avLst/>
+          </a:prstGeom>
+          <a:noFill/>
+        </p:spPr>
+        <p:txBody>
+          <a:bodyPr wrap="square" rtlCol="0">
+            <a:spAutoFit/>
+          </a:bodyPr>
+          <a:lstStyle/>
+          <a:p>
+            <a:pPr algn="ctr"/>
+            <a:r>
+              <a:rPr lang="pt-PT" sz="1400" dirty="0" smtClean="0"/>
+              <a:t>Video Elementary Stream</a:t>
+            </a:r>
+            <a:endParaRPr lang="pt-BR" sz="1400" dirty="0"/>
+          </a:p>
+        </p:txBody>
+      </p:sp>
+      <p:sp>
+        <p:nvSpPr>
+          <p:cNvPr id="110" name="CaixaDeTexto 109"/>
+          <p:cNvSpPr txBox="1"/>
+          <p:nvPr/>
+        </p:nvSpPr>
+        <p:spPr>
+          <a:xfrm>
+            <a:off x="9685090" y="6182114"/>
+            <a:ext cx="2420510" cy="307777"/>
+          </a:xfrm>
+          <a:prstGeom prst="rect">
+            <a:avLst/>
+          </a:prstGeom>
+          <a:noFill/>
+        </p:spPr>
+        <p:txBody>
+          <a:bodyPr wrap="square" rtlCol="0">
+            <a:spAutoFit/>
+          </a:bodyPr>
+          <a:lstStyle/>
+          <a:p>
+            <a:pPr algn="ctr"/>
+            <a:r>
+              <a:rPr lang="pt-PT" sz="1400" dirty="0" smtClean="0"/>
+              <a:t>Audio Elementary Stream</a:t>
+            </a:r>
+            <a:endParaRPr lang="pt-BR" sz="1400" dirty="0"/>
+          </a:p>
+        </p:txBody>
+      </p:sp>
+      <p:sp>
+        <p:nvSpPr>
+          <p:cNvPr id="113" name="CaixaDeTexto 112"/>
+          <p:cNvSpPr txBox="1"/>
+          <p:nvPr/>
+        </p:nvSpPr>
+        <p:spPr>
+          <a:xfrm>
+            <a:off x="8779726" y="3154391"/>
+            <a:ext cx="1500029" cy="523220"/>
+          </a:xfrm>
+          <a:prstGeom prst="rect">
+            <a:avLst/>
+          </a:prstGeom>
+          <a:noFill/>
+        </p:spPr>
+        <p:txBody>
+          <a:bodyPr wrap="square" rtlCol="0">
+            <a:spAutoFit/>
+          </a:bodyPr>
+          <a:lstStyle/>
+          <a:p>
+            <a:pPr algn="ctr"/>
+            <a:r>
+              <a:rPr lang="pt-PT" sz="1400" dirty="0" smtClean="0"/>
+              <a:t>Created</a:t>
+            </a:r>
+          </a:p>
+          <a:p>
+            <a:pPr algn="ctr"/>
+            <a:r>
+              <a:rPr lang="pt-PT" sz="1400" dirty="0" smtClean="0"/>
+              <a:t>Multi-Service TS</a:t>
+            </a:r>
+            <a:endParaRPr lang="pt-BR" sz="1400" dirty="0"/>
+          </a:p>
+        </p:txBody>
+      </p:sp>
+      <p:sp>
+        <p:nvSpPr>
+          <p:cNvPr id="60" name="CaixaDeTexto 59"/>
+          <p:cNvSpPr txBox="1"/>
+          <p:nvPr/>
+        </p:nvSpPr>
+        <p:spPr>
+          <a:xfrm>
+            <a:off x="5825633" y="517913"/>
+            <a:ext cx="1500029" cy="523220"/>
+          </a:xfrm>
+          <a:prstGeom prst="rect">
+            <a:avLst/>
+          </a:prstGeom>
+          <a:noFill/>
+        </p:spPr>
+        <p:txBody>
+          <a:bodyPr wrap="square" rtlCol="0">
+            <a:spAutoFit/>
+          </a:bodyPr>
+          <a:lstStyle/>
+          <a:p>
+            <a:pPr algn="ctr"/>
+            <a:r>
+              <a:rPr lang="pt-PT" sz="1400" dirty="0" smtClean="0"/>
+              <a:t>Full-Seg</a:t>
+            </a:r>
+          </a:p>
+          <a:p>
+            <a:pPr algn="ctr"/>
+            <a:r>
+              <a:rPr lang="pt-PT" sz="1400" dirty="0" smtClean="0"/>
+              <a:t>Single-Service TS</a:t>
+            </a:r>
+            <a:endParaRPr lang="pt-BR" sz="1400" dirty="0"/>
+          </a:p>
+        </p:txBody>
+      </p:sp>
+      <p:sp>
+        <p:nvSpPr>
+          <p:cNvPr id="98" name="CaixaDeTexto 97"/>
+          <p:cNvSpPr txBox="1"/>
+          <p:nvPr/>
+        </p:nvSpPr>
+        <p:spPr>
+          <a:xfrm>
+            <a:off x="9443340" y="1529436"/>
+            <a:ext cx="836414" cy="307777"/>
+          </a:xfrm>
+          <a:prstGeom prst="rect">
+            <a:avLst/>
+          </a:prstGeom>
+          <a:noFill/>
+        </p:spPr>
+        <p:txBody>
+          <a:bodyPr wrap="square" rtlCol="0">
+            <a:spAutoFit/>
+          </a:bodyPr>
+          <a:lstStyle/>
+          <a:p>
+            <a:pPr algn="ctr"/>
+            <a:r>
+              <a:rPr lang="pt-PT" sz="1400" dirty="0" smtClean="0"/>
+              <a:t>Antenna</a:t>
+            </a:r>
+            <a:endParaRPr lang="pt-BR" sz="1400" dirty="0"/>
+          </a:p>
+        </p:txBody>
+      </p:sp>
+      <p:sp>
+        <p:nvSpPr>
+          <p:cNvPr id="101" name="CaixaDeTexto 100"/>
+          <p:cNvSpPr txBox="1"/>
+          <p:nvPr/>
+        </p:nvSpPr>
+        <p:spPr>
+          <a:xfrm>
+            <a:off x="3007933" y="1553740"/>
+            <a:ext cx="1500029" cy="523220"/>
+          </a:xfrm>
+          <a:prstGeom prst="rect">
+            <a:avLst/>
+          </a:prstGeom>
+          <a:noFill/>
+        </p:spPr>
+        <p:txBody>
+          <a:bodyPr wrap="square" rtlCol="0">
+            <a:spAutoFit/>
+          </a:bodyPr>
+          <a:lstStyle/>
+          <a:p>
+            <a:pPr algn="ctr"/>
+            <a:r>
+              <a:rPr lang="pt-PT" sz="1400" dirty="0" smtClean="0"/>
+              <a:t>Captured</a:t>
+            </a:r>
+          </a:p>
+          <a:p>
+            <a:pPr algn="ctr"/>
+            <a:r>
+              <a:rPr lang="pt-PT" sz="1400" dirty="0" smtClean="0"/>
+              <a:t>Multi-Service</a:t>
+            </a:r>
+            <a:r>
+              <a:rPr lang="pt-BR" sz="1400" dirty="0" smtClean="0"/>
+              <a:t> TS</a:t>
+            </a:r>
+            <a:endParaRPr lang="pt-PT" sz="1400" dirty="0" smtClean="0"/>
+          </a:p>
+        </p:txBody>
+      </p:sp>
+      <p:sp>
+        <p:nvSpPr>
+          <p:cNvPr id="102" name="Retângulo de cantos arredondados 101"/>
+          <p:cNvSpPr/>
+          <p:nvPr/>
+        </p:nvSpPr>
+        <p:spPr>
+          <a:xfrm>
+            <a:off x="3971184" y="904874"/>
+            <a:ext cx="1781305" cy="577127"/>
+          </a:xfrm>
+          <a:prstGeom prst="roundRect">
+            <a:avLst/>
+          </a:prstGeom>
+        </p:spPr>
+        <p:style>
+          <a:lnRef idx="2">
+            <a:schemeClr val="accent6">
+              <a:shade val="50000"/>
+            </a:schemeClr>
+          </a:lnRef>
+          <a:fillRef idx="1">
+            <a:schemeClr val="accent6"/>
+          </a:fillRef>
+          <a:effectRef idx="0">
+            <a:schemeClr val="accent6"/>
+          </a:effectRef>
+          <a:fontRef idx="minor">
+            <a:schemeClr val="lt1"/>
+          </a:fontRef>
+        </p:style>
+        <p:txBody>
+          <a:bodyPr rtlCol="0" anchor="ctr"/>
+          <a:lstStyle/>
+          <a:p>
+            <a:pPr algn="ctr"/>
+            <a:r>
+              <a:rPr lang="pt-PT" dirty="0" smtClean="0"/>
+              <a:t>FFmpeg MPEG2 Demuxer</a:t>
+            </a:r>
+            <a:endParaRPr lang="pt-PT" dirty="0" smtClean="0"/>
+          </a:p>
+        </p:txBody>
+      </p:sp>
+      <p:cxnSp>
+        <p:nvCxnSpPr>
+          <p:cNvPr id="104" name="Conector angulado 103"/>
+          <p:cNvCxnSpPr>
+            <a:endCxn id="102" idx="1"/>
+          </p:cNvCxnSpPr>
+          <p:nvPr/>
+        </p:nvCxnSpPr>
+        <p:spPr>
+          <a:xfrm>
+            <a:off x="2741735" y="1193437"/>
+            <a:ext cx="1229449" cy="1"/>
+          </a:xfrm>
+          <a:prstGeom prst="bentConnector3">
+            <a:avLst>
+              <a:gd name="adj1" fmla="val 50000"/>
+            </a:avLst>
+          </a:prstGeom>
+          <a:ln>
+            <a:tailEnd type="triangle"/>
+          </a:ln>
+        </p:spPr>
+        <p:style>
+          <a:lnRef idx="1">
+            <a:schemeClr val="accent1"/>
+          </a:lnRef>
+          <a:fillRef idx="0">
+            <a:schemeClr val="accent1"/>
+          </a:fillRef>
+          <a:effectRef idx="0">
+            <a:schemeClr val="accent1"/>
+          </a:effectRef>
+          <a:fontRef idx="minor">
+            <a:schemeClr val="tx1"/>
+          </a:fontRef>
+        </p:style>
+      </p:cxnSp>
+      <p:pic>
+        <p:nvPicPr>
+          <p:cNvPr id="89" name="Imagem 88"/>
+          <p:cNvPicPr>
+            <a:picLocks noChangeAspect="1"/>
+          </p:cNvPicPr>
+          <p:nvPr/>
+        </p:nvPicPr>
+        <p:blipFill rotWithShape="1">
+          <a:blip r:embed="rId2">
+            <a:extLst>
+              <a:ext uri="{BEBA8EAE-BF5A-486C-A8C5-ECC9F3942E4B}">
+                <a14:imgProps xmlns:a14="http://schemas.microsoft.com/office/drawing/2010/main">
+                  <a14:imgLayer r:embed="rId3">
+                    <a14:imgEffect>
+                      <a14:backgroundRemoval t="13200" b="86400" l="0" r="100000"/>
+                    </a14:imgEffect>
+                  </a14:imgLayer>
+                </a14:imgProps>
+              </a:ext>
+              <a:ext uri="{28A0092B-C50C-407E-A947-70E740481C1C}">
+                <a14:useLocalDpi xmlns:a14="http://schemas.microsoft.com/office/drawing/2010/main" val="0"/>
+              </a:ext>
+            </a:extLst>
+          </a:blip>
+          <a:srcRect t="13901" b="13754"/>
+          <a:stretch/>
+        </p:blipFill>
+        <p:spPr>
+          <a:xfrm flipH="1">
+            <a:off x="1769213" y="333374"/>
+            <a:ext cx="1579944" cy="1143001"/>
+          </a:xfrm>
+          <a:prstGeom prst="rect">
+            <a:avLst/>
+          </a:prstGeom>
+        </p:spPr>
+      </p:pic>
+      <p:sp>
+        <p:nvSpPr>
+          <p:cNvPr id="111" name="CaixaDeTexto 110"/>
+          <p:cNvSpPr txBox="1"/>
+          <p:nvPr/>
+        </p:nvSpPr>
+        <p:spPr>
+          <a:xfrm>
+            <a:off x="5740061" y="1315948"/>
+            <a:ext cx="1403690" cy="523220"/>
+          </a:xfrm>
+          <a:prstGeom prst="rect">
+            <a:avLst/>
+          </a:prstGeom>
+          <a:noFill/>
+        </p:spPr>
+        <p:txBody>
+          <a:bodyPr wrap="square" rtlCol="0">
+            <a:spAutoFit/>
+          </a:bodyPr>
+          <a:lstStyle/>
+          <a:p>
+            <a:pPr algn="ctr"/>
+            <a:r>
+              <a:rPr lang="pt-PT" sz="1400" dirty="0" smtClean="0"/>
+              <a:t> 1-Seg </a:t>
+            </a:r>
+          </a:p>
+          <a:p>
+            <a:pPr algn="ctr"/>
+            <a:r>
+              <a:rPr lang="pt-PT" sz="1400" dirty="0" smtClean="0"/>
+              <a:t>Single-Service TS</a:t>
+            </a:r>
+            <a:endParaRPr lang="pt-BR" sz="1400" dirty="0"/>
+          </a:p>
+        </p:txBody>
+      </p:sp>
+      <p:cxnSp>
+        <p:nvCxnSpPr>
+          <p:cNvPr id="112" name="Conector angulado 111"/>
+          <p:cNvCxnSpPr>
+            <a:endCxn id="8" idx="0"/>
+          </p:cNvCxnSpPr>
+          <p:nvPr/>
+        </p:nvCxnSpPr>
+        <p:spPr>
+          <a:xfrm>
+            <a:off x="5752488" y="1060586"/>
+            <a:ext cx="2468256" cy="1758835"/>
+          </a:xfrm>
+          <a:prstGeom prst="bentConnector2">
+            <a:avLst/>
+          </a:prstGeom>
+          <a:ln>
+            <a:tailEnd type="triangle"/>
+          </a:ln>
+        </p:spPr>
+        <p:style>
+          <a:lnRef idx="1">
+            <a:schemeClr val="accent1"/>
+          </a:lnRef>
+          <a:fillRef idx="0">
+            <a:schemeClr val="accent1"/>
+          </a:fillRef>
+          <a:effectRef idx="0">
+            <a:schemeClr val="accent1"/>
+          </a:effectRef>
+          <a:fontRef idx="minor">
+            <a:schemeClr val="tx1"/>
+          </a:fontRef>
+        </p:style>
+      </p:cxnSp>
+      <p:cxnSp>
+        <p:nvCxnSpPr>
+          <p:cNvPr id="117" name="Conector angulado 116"/>
+          <p:cNvCxnSpPr/>
+          <p:nvPr/>
+        </p:nvCxnSpPr>
+        <p:spPr>
+          <a:xfrm>
+            <a:off x="5752489" y="1319167"/>
+            <a:ext cx="2132156" cy="1500254"/>
+          </a:xfrm>
+          <a:prstGeom prst="bentConnector3">
+            <a:avLst>
+              <a:gd name="adj1" fmla="val 100481"/>
+            </a:avLst>
+          </a:prstGeom>
+          <a:ln>
+            <a:tailEnd type="triangle"/>
+          </a:ln>
+        </p:spPr>
+        <p:style>
+          <a:lnRef idx="1">
+            <a:schemeClr val="accent1"/>
+          </a:lnRef>
+          <a:fillRef idx="0">
+            <a:schemeClr val="accent1"/>
+          </a:fillRef>
+          <a:effectRef idx="0">
+            <a:schemeClr val="accent1"/>
+          </a:effectRef>
+          <a:fontRef idx="minor">
+            <a:schemeClr val="tx1"/>
+          </a:fontRef>
+        </p:style>
+      </p:cxnSp>
+      <p:sp>
+        <p:nvSpPr>
+          <p:cNvPr id="138" name="CaixaDeTexto 137"/>
+          <p:cNvSpPr txBox="1"/>
+          <p:nvPr/>
+        </p:nvSpPr>
+        <p:spPr>
+          <a:xfrm>
+            <a:off x="3167453" y="3137437"/>
+            <a:ext cx="1500029" cy="307777"/>
+          </a:xfrm>
+          <a:prstGeom prst="rect">
+            <a:avLst/>
+          </a:prstGeom>
+          <a:noFill/>
+        </p:spPr>
+        <p:txBody>
+          <a:bodyPr wrap="square" rtlCol="0">
+            <a:spAutoFit/>
+          </a:bodyPr>
+          <a:lstStyle/>
+          <a:p>
+            <a:pPr algn="ctr"/>
+            <a:r>
+              <a:rPr lang="pt-PT" sz="1400" dirty="0" smtClean="0"/>
+              <a:t>PSI/SI Data</a:t>
+            </a:r>
+          </a:p>
+        </p:txBody>
+      </p:sp>
+    </p:spTree>
+    <p:extLst>
+      <p:ext uri="{BB962C8B-B14F-4D97-AF65-F5344CB8AC3E}">
+        <p14:creationId xmlns:p14="http://schemas.microsoft.com/office/powerpoint/2010/main" val="978467752"/>
+      </p:ext>
+    </p:extLst>
+  </p:cSld>
+  <p:clrMapOvr>
+    <a:masterClrMapping/>
+  </p:clrMapOvr>
+  <p:timing>
+    <p:tnLst>
+      <p:par>
+        <p:cTn id="1" dur="indefinite" restart="never" nodeType="tmRoot"/>
+      </p:par>
+    </p:tnLst>
+  </p:timing>
+</p:sld>
+</file>
+
+<file path=ppt/slides/slide6.xml><?xml version="1.0" encoding="utf-8"?>
+<p:sld xmlns:a="http://schemas.openxmlformats.org/drawingml/2006/main" xmlns:r="http://schemas.openxmlformats.org/officeDocument/2006/relationships" xmlns:p="http://schemas.openxmlformats.org/presentationml/2006/main">
+  <p:cSld>
+    <p:spTree>
+      <p:nvGrpSpPr>
+        <p:cNvPr id="1" name=""/>
+        <p:cNvGrpSpPr/>
+        <p:nvPr/>
+      </p:nvGrpSpPr>
+      <p:grpSpPr>
+        <a:xfrm>
+          <a:off x="0" y="0"/>
+          <a:ext cx="0" cy="0"/>
+          <a:chOff x="0" y="0"/>
+          <a:chExt cx="0" cy="0"/>
+        </a:xfrm>
+      </p:grpSpPr>
+      <p:sp>
+        <p:nvSpPr>
           <p:cNvPr id="3" name="Subtítulo 2"/>
           <p:cNvSpPr>
             <a:spLocks noGrp="1"/>
@@ -9663,7 +10111,7 @@
 </p:sld>
 </file>
 
-<file path=ppt/slides/slide6.xml><?xml version="1.0" encoding="utf-8"?>
+<file path=ppt/slides/slide7.xml><?xml version="1.0" encoding="utf-8"?>
 <p:sld xmlns:a="http://schemas.openxmlformats.org/drawingml/2006/main" xmlns:r="http://schemas.openxmlformats.org/officeDocument/2006/relationships" xmlns:p="http://schemas.openxmlformats.org/presentationml/2006/main">
   <p:cSld>
     <p:spTree>
@@ -10747,7 +11195,7 @@
 </p:sld>
 </file>
 
-<file path=ppt/slides/slide7.xml><?xml version="1.0" encoding="utf-8"?>
+<file path=ppt/slides/slide8.xml><?xml version="1.0" encoding="utf-8"?>
 <p:sld xmlns:a="http://schemas.openxmlformats.org/drawingml/2006/main" xmlns:r="http://schemas.openxmlformats.org/officeDocument/2006/relationships" xmlns:p="http://schemas.openxmlformats.org/presentationml/2006/main">
   <p:cSld>
     <p:spTree>
@@ -12904,6 +13352,2476 @@
       </p:par>
     </p:tnLst>
   </p:timing>
+</p:sld>
+</file>
+
+<file path=ppt/slides/slide9.xml><?xml version="1.0" encoding="utf-8"?>
+<p:sld xmlns:a="http://schemas.openxmlformats.org/drawingml/2006/main" xmlns:r="http://schemas.openxmlformats.org/officeDocument/2006/relationships" xmlns:p="http://schemas.openxmlformats.org/presentationml/2006/main">
+  <p:cSld>
+    <p:spTree>
+      <p:nvGrpSpPr>
+        <p:cNvPr id="1" name=""/>
+        <p:cNvGrpSpPr/>
+        <p:nvPr/>
+      </p:nvGrpSpPr>
+      <p:grpSpPr>
+        <a:xfrm>
+          <a:off x="0" y="0"/>
+          <a:ext cx="0" cy="0"/>
+          <a:chOff x="0" y="0"/>
+          <a:chExt cx="0" cy="0"/>
+        </a:xfrm>
+      </p:grpSpPr>
+      <p:cxnSp>
+        <p:nvCxnSpPr>
+          <p:cNvPr id="3" name="Conector de seta reta 2"/>
+          <p:cNvCxnSpPr/>
+          <p:nvPr/>
+        </p:nvCxnSpPr>
+        <p:spPr>
+          <a:xfrm>
+            <a:off x="1614388" y="1150883"/>
+            <a:ext cx="8632160" cy="0"/>
+          </a:xfrm>
+          <a:prstGeom prst="straightConnector1">
+            <a:avLst/>
+          </a:prstGeom>
+          <a:ln w="28575">
+            <a:tailEnd type="triangle"/>
+          </a:ln>
+        </p:spPr>
+        <p:style>
+          <a:lnRef idx="1">
+            <a:schemeClr val="dk1"/>
+          </a:lnRef>
+          <a:fillRef idx="0">
+            <a:schemeClr val="dk1"/>
+          </a:fillRef>
+          <a:effectRef idx="0">
+            <a:schemeClr val="dk1"/>
+          </a:effectRef>
+          <a:fontRef idx="minor">
+            <a:schemeClr val="tx1"/>
+          </a:fontRef>
+        </p:style>
+      </p:cxnSp>
+      <p:cxnSp>
+        <p:nvCxnSpPr>
+          <p:cNvPr id="4" name="Conector reto 3"/>
+          <p:cNvCxnSpPr/>
+          <p:nvPr/>
+        </p:nvCxnSpPr>
+        <p:spPr>
+          <a:xfrm>
+            <a:off x="1599874" y="983012"/>
+            <a:ext cx="0" cy="333829"/>
+          </a:xfrm>
+          <a:prstGeom prst="line">
+            <a:avLst/>
+          </a:prstGeom>
+          <a:ln w="28575">
+            <a:headEnd type="none" w="med" len="med"/>
+            <a:tailEnd type="none" w="med" len="med"/>
+          </a:ln>
+        </p:spPr>
+        <p:style>
+          <a:lnRef idx="1">
+            <a:schemeClr val="dk1"/>
+          </a:lnRef>
+          <a:fillRef idx="0">
+            <a:schemeClr val="dk1"/>
+          </a:fillRef>
+          <a:effectRef idx="0">
+            <a:schemeClr val="dk1"/>
+          </a:effectRef>
+          <a:fontRef idx="minor">
+            <a:schemeClr val="tx1"/>
+          </a:fontRef>
+        </p:style>
+      </p:cxnSp>
+      <p:sp>
+        <p:nvSpPr>
+          <p:cNvPr id="5" name="CaixaDeTexto 4"/>
+          <p:cNvSpPr txBox="1"/>
+          <p:nvPr/>
+        </p:nvSpPr>
+        <p:spPr>
+          <a:xfrm>
+            <a:off x="7114762" y="613680"/>
+            <a:ext cx="3131786" cy="369332"/>
+          </a:xfrm>
+          <a:prstGeom prst="rect">
+            <a:avLst/>
+          </a:prstGeom>
+          <a:noFill/>
+        </p:spPr>
+        <p:txBody>
+          <a:bodyPr wrap="square" rtlCol="0">
+            <a:spAutoFit/>
+          </a:bodyPr>
+          <a:lstStyle/>
+          <a:p>
+            <a:pPr algn="ctr"/>
+            <a:r>
+              <a:rPr lang="pt-PT" dirty="0" smtClean="0"/>
+              <a:t>Time</a:t>
+            </a:r>
+            <a:endParaRPr lang="pt-BR" dirty="0"/>
+          </a:p>
+        </p:txBody>
+      </p:sp>
+      <p:cxnSp>
+        <p:nvCxnSpPr>
+          <p:cNvPr id="6" name="Conector reto 5"/>
+          <p:cNvCxnSpPr/>
+          <p:nvPr/>
+        </p:nvCxnSpPr>
+        <p:spPr>
+          <a:xfrm>
+            <a:off x="2586845" y="983012"/>
+            <a:ext cx="0" cy="3976915"/>
+          </a:xfrm>
+          <a:prstGeom prst="line">
+            <a:avLst/>
+          </a:prstGeom>
+          <a:ln w="28575">
+            <a:solidFill>
+              <a:schemeClr val="bg1">
+                <a:lumMod val="85000"/>
+              </a:schemeClr>
+            </a:solidFill>
+            <a:prstDash val="sysDot"/>
+            <a:headEnd type="none" w="med" len="med"/>
+            <a:tailEnd type="none" w="med" len="med"/>
+          </a:ln>
+        </p:spPr>
+        <p:style>
+          <a:lnRef idx="1">
+            <a:schemeClr val="dk1"/>
+          </a:lnRef>
+          <a:fillRef idx="0">
+            <a:schemeClr val="dk1"/>
+          </a:fillRef>
+          <a:effectRef idx="0">
+            <a:schemeClr val="dk1"/>
+          </a:effectRef>
+          <a:fontRef idx="minor">
+            <a:schemeClr val="tx1"/>
+          </a:fontRef>
+        </p:style>
+      </p:cxnSp>
+      <p:cxnSp>
+        <p:nvCxnSpPr>
+          <p:cNvPr id="7" name="Conector reto 6"/>
+          <p:cNvCxnSpPr/>
+          <p:nvPr/>
+        </p:nvCxnSpPr>
+        <p:spPr>
+          <a:xfrm>
+            <a:off x="3588329" y="983012"/>
+            <a:ext cx="0" cy="3990770"/>
+          </a:xfrm>
+          <a:prstGeom prst="line">
+            <a:avLst/>
+          </a:prstGeom>
+          <a:ln w="28575">
+            <a:solidFill>
+              <a:schemeClr val="bg1">
+                <a:lumMod val="85000"/>
+              </a:schemeClr>
+            </a:solidFill>
+            <a:prstDash val="sysDot"/>
+            <a:headEnd type="none" w="med" len="med"/>
+            <a:tailEnd type="none" w="med" len="med"/>
+          </a:ln>
+        </p:spPr>
+        <p:style>
+          <a:lnRef idx="1">
+            <a:schemeClr val="dk1"/>
+          </a:lnRef>
+          <a:fillRef idx="0">
+            <a:schemeClr val="dk1"/>
+          </a:fillRef>
+          <a:effectRef idx="0">
+            <a:schemeClr val="dk1"/>
+          </a:effectRef>
+          <a:fontRef idx="minor">
+            <a:schemeClr val="tx1"/>
+          </a:fontRef>
+        </p:style>
+      </p:cxnSp>
+      <p:cxnSp>
+        <p:nvCxnSpPr>
+          <p:cNvPr id="12" name="Conector reto 11"/>
+          <p:cNvCxnSpPr/>
+          <p:nvPr/>
+        </p:nvCxnSpPr>
+        <p:spPr>
+          <a:xfrm flipH="1">
+            <a:off x="4675583" y="983968"/>
+            <a:ext cx="2" cy="3892832"/>
+          </a:xfrm>
+          <a:prstGeom prst="line">
+            <a:avLst/>
+          </a:prstGeom>
+          <a:ln w="28575">
+            <a:solidFill>
+              <a:schemeClr val="bg1">
+                <a:lumMod val="85000"/>
+              </a:schemeClr>
+            </a:solidFill>
+            <a:prstDash val="sysDot"/>
+            <a:headEnd type="none" w="med" len="med"/>
+            <a:tailEnd type="none" w="med" len="med"/>
+          </a:ln>
+        </p:spPr>
+        <p:style>
+          <a:lnRef idx="1">
+            <a:schemeClr val="dk1"/>
+          </a:lnRef>
+          <a:fillRef idx="0">
+            <a:schemeClr val="dk1"/>
+          </a:fillRef>
+          <a:effectRef idx="0">
+            <a:schemeClr val="dk1"/>
+          </a:effectRef>
+          <a:fontRef idx="minor">
+            <a:schemeClr val="tx1"/>
+          </a:fontRef>
+        </p:style>
+      </p:cxnSp>
+      <p:cxnSp>
+        <p:nvCxnSpPr>
+          <p:cNvPr id="13" name="Conector reto 12"/>
+          <p:cNvCxnSpPr/>
+          <p:nvPr/>
+        </p:nvCxnSpPr>
+        <p:spPr>
+          <a:xfrm>
+            <a:off x="5662555" y="983968"/>
+            <a:ext cx="0" cy="3823559"/>
+          </a:xfrm>
+          <a:prstGeom prst="line">
+            <a:avLst/>
+          </a:prstGeom>
+          <a:ln w="28575">
+            <a:solidFill>
+              <a:schemeClr val="bg1">
+                <a:lumMod val="85000"/>
+              </a:schemeClr>
+            </a:solidFill>
+            <a:prstDash val="sysDot"/>
+            <a:headEnd type="none" w="med" len="med"/>
+            <a:tailEnd type="none" w="med" len="med"/>
+          </a:ln>
+        </p:spPr>
+        <p:style>
+          <a:lnRef idx="1">
+            <a:schemeClr val="dk1"/>
+          </a:lnRef>
+          <a:fillRef idx="0">
+            <a:schemeClr val="dk1"/>
+          </a:fillRef>
+          <a:effectRef idx="0">
+            <a:schemeClr val="dk1"/>
+          </a:effectRef>
+          <a:fontRef idx="minor">
+            <a:schemeClr val="tx1"/>
+          </a:fontRef>
+        </p:style>
+      </p:cxnSp>
+      <p:cxnSp>
+        <p:nvCxnSpPr>
+          <p:cNvPr id="14" name="Conector reto 13"/>
+          <p:cNvCxnSpPr/>
+          <p:nvPr/>
+        </p:nvCxnSpPr>
+        <p:spPr>
+          <a:xfrm>
+            <a:off x="6664039" y="983968"/>
+            <a:ext cx="0" cy="3948250"/>
+          </a:xfrm>
+          <a:prstGeom prst="line">
+            <a:avLst/>
+          </a:prstGeom>
+          <a:ln w="28575">
+            <a:solidFill>
+              <a:schemeClr val="bg1">
+                <a:lumMod val="85000"/>
+              </a:schemeClr>
+            </a:solidFill>
+            <a:prstDash val="sysDot"/>
+            <a:headEnd type="none" w="med" len="med"/>
+            <a:tailEnd type="none" w="med" len="med"/>
+          </a:ln>
+        </p:spPr>
+        <p:style>
+          <a:lnRef idx="1">
+            <a:schemeClr val="dk1"/>
+          </a:lnRef>
+          <a:fillRef idx="0">
+            <a:schemeClr val="dk1"/>
+          </a:fillRef>
+          <a:effectRef idx="0">
+            <a:schemeClr val="dk1"/>
+          </a:effectRef>
+          <a:fontRef idx="minor">
+            <a:schemeClr val="tx1"/>
+          </a:fontRef>
+        </p:style>
+      </p:cxnSp>
+      <p:cxnSp>
+        <p:nvCxnSpPr>
+          <p:cNvPr id="15" name="Conector reto 14"/>
+          <p:cNvCxnSpPr/>
+          <p:nvPr/>
+        </p:nvCxnSpPr>
+        <p:spPr>
+          <a:xfrm>
+            <a:off x="7675875" y="983012"/>
+            <a:ext cx="0" cy="333829"/>
+          </a:xfrm>
+          <a:prstGeom prst="line">
+            <a:avLst/>
+          </a:prstGeom>
+          <a:ln w="28575">
+            <a:headEnd type="none" w="med" len="med"/>
+            <a:tailEnd type="none" w="med" len="med"/>
+          </a:ln>
+        </p:spPr>
+        <p:style>
+          <a:lnRef idx="1">
+            <a:schemeClr val="dk1"/>
+          </a:lnRef>
+          <a:fillRef idx="0">
+            <a:schemeClr val="dk1"/>
+          </a:fillRef>
+          <a:effectRef idx="0">
+            <a:schemeClr val="dk1"/>
+          </a:effectRef>
+          <a:fontRef idx="minor">
+            <a:schemeClr val="tx1"/>
+          </a:fontRef>
+        </p:style>
+      </p:cxnSp>
+      <p:cxnSp>
+        <p:nvCxnSpPr>
+          <p:cNvPr id="16" name="Conector reto 15"/>
+          <p:cNvCxnSpPr/>
+          <p:nvPr/>
+        </p:nvCxnSpPr>
+        <p:spPr>
+          <a:xfrm>
+            <a:off x="8662846" y="983012"/>
+            <a:ext cx="0" cy="333829"/>
+          </a:xfrm>
+          <a:prstGeom prst="line">
+            <a:avLst/>
+          </a:prstGeom>
+          <a:ln w="28575">
+            <a:headEnd type="none" w="med" len="med"/>
+            <a:tailEnd type="none" w="med" len="med"/>
+          </a:ln>
+        </p:spPr>
+        <p:style>
+          <a:lnRef idx="1">
+            <a:schemeClr val="dk1"/>
+          </a:lnRef>
+          <a:fillRef idx="0">
+            <a:schemeClr val="dk1"/>
+          </a:fillRef>
+          <a:effectRef idx="0">
+            <a:schemeClr val="dk1"/>
+          </a:effectRef>
+          <a:fontRef idx="minor">
+            <a:schemeClr val="tx1"/>
+          </a:fontRef>
+        </p:style>
+      </p:cxnSp>
+      <p:cxnSp>
+        <p:nvCxnSpPr>
+          <p:cNvPr id="17" name="Conector reto 16"/>
+          <p:cNvCxnSpPr/>
+          <p:nvPr/>
+        </p:nvCxnSpPr>
+        <p:spPr>
+          <a:xfrm>
+            <a:off x="9664330" y="983012"/>
+            <a:ext cx="0" cy="333829"/>
+          </a:xfrm>
+          <a:prstGeom prst="line">
+            <a:avLst/>
+          </a:prstGeom>
+          <a:ln w="28575">
+            <a:headEnd type="none" w="med" len="med"/>
+            <a:tailEnd type="none" w="med" len="med"/>
+          </a:ln>
+        </p:spPr>
+        <p:style>
+          <a:lnRef idx="1">
+            <a:schemeClr val="dk1"/>
+          </a:lnRef>
+          <a:fillRef idx="0">
+            <a:schemeClr val="dk1"/>
+          </a:fillRef>
+          <a:effectRef idx="0">
+            <a:schemeClr val="dk1"/>
+          </a:effectRef>
+          <a:fontRef idx="minor">
+            <a:schemeClr val="tx1"/>
+          </a:fontRef>
+        </p:style>
+      </p:cxnSp>
+      <p:cxnSp>
+        <p:nvCxnSpPr>
+          <p:cNvPr id="62" name="Conector reto 61"/>
+          <p:cNvCxnSpPr>
+            <a:stCxn id="91" idx="2"/>
+          </p:cNvCxnSpPr>
+          <p:nvPr/>
+        </p:nvCxnSpPr>
+        <p:spPr>
+          <a:xfrm>
+            <a:off x="5441585" y="358059"/>
+            <a:ext cx="14410" cy="4518741"/>
+          </a:xfrm>
+          <a:prstGeom prst="line">
+            <a:avLst/>
+          </a:prstGeom>
+          <a:ln w="28575">
+            <a:solidFill>
+              <a:schemeClr val="bg1">
+                <a:lumMod val="85000"/>
+              </a:schemeClr>
+            </a:solidFill>
+            <a:prstDash val="sysDot"/>
+            <a:headEnd type="none" w="med" len="med"/>
+            <a:tailEnd type="none" w="med" len="med"/>
+          </a:ln>
+        </p:spPr>
+        <p:style>
+          <a:lnRef idx="1">
+            <a:schemeClr val="dk1"/>
+          </a:lnRef>
+          <a:fillRef idx="0">
+            <a:schemeClr val="dk1"/>
+          </a:fillRef>
+          <a:effectRef idx="0">
+            <a:schemeClr val="dk1"/>
+          </a:effectRef>
+          <a:fontRef idx="minor">
+            <a:schemeClr val="tx1"/>
+          </a:fontRef>
+        </p:style>
+      </p:cxnSp>
+      <p:cxnSp>
+        <p:nvCxnSpPr>
+          <p:cNvPr id="68" name="Conector reto 67"/>
+          <p:cNvCxnSpPr/>
+          <p:nvPr/>
+        </p:nvCxnSpPr>
+        <p:spPr>
+          <a:xfrm>
+            <a:off x="6534426" y="518885"/>
+            <a:ext cx="0" cy="4357915"/>
+          </a:xfrm>
+          <a:prstGeom prst="line">
+            <a:avLst/>
+          </a:prstGeom>
+          <a:ln w="28575">
+            <a:solidFill>
+              <a:schemeClr val="bg1">
+                <a:lumMod val="85000"/>
+              </a:schemeClr>
+            </a:solidFill>
+            <a:prstDash val="sysDot"/>
+            <a:headEnd type="none" w="med" len="med"/>
+            <a:tailEnd type="none" w="med" len="med"/>
+          </a:ln>
+        </p:spPr>
+        <p:style>
+          <a:lnRef idx="1">
+            <a:schemeClr val="dk1"/>
+          </a:lnRef>
+          <a:fillRef idx="0">
+            <a:schemeClr val="dk1"/>
+          </a:fillRef>
+          <a:effectRef idx="0">
+            <a:schemeClr val="dk1"/>
+          </a:effectRef>
+          <a:fontRef idx="minor">
+            <a:schemeClr val="tx1"/>
+          </a:fontRef>
+        </p:style>
+      </p:cxnSp>
+      <p:cxnSp>
+        <p:nvCxnSpPr>
+          <p:cNvPr id="81" name="Conector reto 80"/>
+          <p:cNvCxnSpPr/>
+          <p:nvPr/>
+        </p:nvCxnSpPr>
+        <p:spPr>
+          <a:xfrm>
+            <a:off x="3108463" y="983012"/>
+            <a:ext cx="0" cy="3976915"/>
+          </a:xfrm>
+          <a:prstGeom prst="line">
+            <a:avLst/>
+          </a:prstGeom>
+          <a:ln w="28575">
+            <a:solidFill>
+              <a:schemeClr val="bg1">
+                <a:lumMod val="85000"/>
+              </a:schemeClr>
+            </a:solidFill>
+            <a:prstDash val="sysDot"/>
+            <a:headEnd type="none" w="med" len="med"/>
+            <a:tailEnd type="none" w="med" len="med"/>
+          </a:ln>
+        </p:spPr>
+        <p:style>
+          <a:lnRef idx="1">
+            <a:schemeClr val="dk1"/>
+          </a:lnRef>
+          <a:fillRef idx="0">
+            <a:schemeClr val="dk1"/>
+          </a:fillRef>
+          <a:effectRef idx="0">
+            <a:schemeClr val="dk1"/>
+          </a:effectRef>
+          <a:fontRef idx="minor">
+            <a:schemeClr val="tx1"/>
+          </a:fontRef>
+        </p:style>
+      </p:cxnSp>
+      <p:cxnSp>
+        <p:nvCxnSpPr>
+          <p:cNvPr id="82" name="Conector reto 81"/>
+          <p:cNvCxnSpPr/>
+          <p:nvPr/>
+        </p:nvCxnSpPr>
+        <p:spPr>
+          <a:xfrm>
+            <a:off x="4082163" y="955303"/>
+            <a:ext cx="0" cy="3976915"/>
+          </a:xfrm>
+          <a:prstGeom prst="line">
+            <a:avLst/>
+          </a:prstGeom>
+          <a:ln w="28575">
+            <a:solidFill>
+              <a:schemeClr val="bg1">
+                <a:lumMod val="85000"/>
+              </a:schemeClr>
+            </a:solidFill>
+            <a:prstDash val="sysDot"/>
+            <a:headEnd type="none" w="med" len="med"/>
+            <a:tailEnd type="none" w="med" len="med"/>
+          </a:ln>
+        </p:spPr>
+        <p:style>
+          <a:lnRef idx="1">
+            <a:schemeClr val="dk1"/>
+          </a:lnRef>
+          <a:fillRef idx="0">
+            <a:schemeClr val="dk1"/>
+          </a:fillRef>
+          <a:effectRef idx="0">
+            <a:schemeClr val="dk1"/>
+          </a:effectRef>
+          <a:fontRef idx="minor">
+            <a:schemeClr val="tx1"/>
+          </a:fontRef>
+        </p:style>
+      </p:cxnSp>
+      <p:cxnSp>
+        <p:nvCxnSpPr>
+          <p:cNvPr id="83" name="Conector reto 82"/>
+          <p:cNvCxnSpPr/>
+          <p:nvPr/>
+        </p:nvCxnSpPr>
+        <p:spPr>
+          <a:xfrm>
+            <a:off x="5183285" y="955303"/>
+            <a:ext cx="0" cy="3976915"/>
+          </a:xfrm>
+          <a:prstGeom prst="line">
+            <a:avLst/>
+          </a:prstGeom>
+          <a:ln w="28575">
+            <a:solidFill>
+              <a:schemeClr val="bg1">
+                <a:lumMod val="85000"/>
+              </a:schemeClr>
+            </a:solidFill>
+            <a:prstDash val="sysDot"/>
+            <a:headEnd type="none" w="med" len="med"/>
+            <a:tailEnd type="none" w="med" len="med"/>
+          </a:ln>
+        </p:spPr>
+        <p:style>
+          <a:lnRef idx="1">
+            <a:schemeClr val="dk1"/>
+          </a:lnRef>
+          <a:fillRef idx="0">
+            <a:schemeClr val="dk1"/>
+          </a:fillRef>
+          <a:effectRef idx="0">
+            <a:schemeClr val="dk1"/>
+          </a:effectRef>
+          <a:fontRef idx="minor">
+            <a:schemeClr val="tx1"/>
+          </a:fontRef>
+        </p:style>
+      </p:cxnSp>
+      <p:cxnSp>
+        <p:nvCxnSpPr>
+          <p:cNvPr id="84" name="Conector reto 83"/>
+          <p:cNvCxnSpPr/>
+          <p:nvPr/>
+        </p:nvCxnSpPr>
+        <p:spPr>
+          <a:xfrm>
+            <a:off x="6161330" y="955303"/>
+            <a:ext cx="0" cy="3976915"/>
+          </a:xfrm>
+          <a:prstGeom prst="line">
+            <a:avLst/>
+          </a:prstGeom>
+          <a:ln w="28575">
+            <a:solidFill>
+              <a:schemeClr val="bg1">
+                <a:lumMod val="85000"/>
+              </a:schemeClr>
+            </a:solidFill>
+            <a:prstDash val="sysDot"/>
+            <a:headEnd type="none" w="med" len="med"/>
+            <a:tailEnd type="none" w="med" len="med"/>
+          </a:ln>
+        </p:spPr>
+        <p:style>
+          <a:lnRef idx="1">
+            <a:schemeClr val="dk1"/>
+          </a:lnRef>
+          <a:fillRef idx="0">
+            <a:schemeClr val="dk1"/>
+          </a:fillRef>
+          <a:effectRef idx="0">
+            <a:schemeClr val="dk1"/>
+          </a:effectRef>
+          <a:fontRef idx="minor">
+            <a:schemeClr val="tx1"/>
+          </a:fontRef>
+        </p:style>
+      </p:cxnSp>
+      <p:cxnSp>
+        <p:nvCxnSpPr>
+          <p:cNvPr id="85" name="Conector reto 84"/>
+          <p:cNvCxnSpPr/>
+          <p:nvPr/>
+        </p:nvCxnSpPr>
+        <p:spPr>
+          <a:xfrm>
+            <a:off x="7161001" y="824952"/>
+            <a:ext cx="0" cy="3976915"/>
+          </a:xfrm>
+          <a:prstGeom prst="line">
+            <a:avLst/>
+          </a:prstGeom>
+          <a:ln w="28575">
+            <a:solidFill>
+              <a:schemeClr val="bg1">
+                <a:lumMod val="85000"/>
+              </a:schemeClr>
+            </a:solidFill>
+            <a:prstDash val="sysDot"/>
+            <a:headEnd type="none" w="med" len="med"/>
+            <a:tailEnd type="none" w="med" len="med"/>
+          </a:ln>
+        </p:spPr>
+        <p:style>
+          <a:lnRef idx="1">
+            <a:schemeClr val="dk1"/>
+          </a:lnRef>
+          <a:fillRef idx="0">
+            <a:schemeClr val="dk1"/>
+          </a:fillRef>
+          <a:effectRef idx="0">
+            <a:schemeClr val="dk1"/>
+          </a:effectRef>
+          <a:fontRef idx="minor">
+            <a:schemeClr val="tx1"/>
+          </a:fontRef>
+        </p:style>
+      </p:cxnSp>
+      <p:sp>
+        <p:nvSpPr>
+          <p:cNvPr id="86" name="CaixaDeTexto 85"/>
+          <p:cNvSpPr txBox="1"/>
+          <p:nvPr/>
+        </p:nvSpPr>
+        <p:spPr>
+          <a:xfrm>
+            <a:off x="4415183" y="518885"/>
+            <a:ext cx="416113" cy="369332"/>
+          </a:xfrm>
+          <a:prstGeom prst="rect">
+            <a:avLst/>
+          </a:prstGeom>
+          <a:noFill/>
+        </p:spPr>
+        <p:txBody>
+          <a:bodyPr wrap="square" rtlCol="0">
+            <a:spAutoFit/>
+          </a:bodyPr>
+          <a:lstStyle/>
+          <a:p>
+            <a:pPr algn="ctr"/>
+            <a:r>
+              <a:rPr lang="pt-PT" dirty="0" smtClean="0"/>
+              <a:t>t</a:t>
+            </a:r>
+            <a:r>
+              <a:rPr lang="pt-PT" baseline="-25000" dirty="0" smtClean="0"/>
+              <a:t>a</a:t>
+            </a:r>
+            <a:endParaRPr lang="pt-PT" baseline="-25000" dirty="0" smtClean="0"/>
+          </a:p>
+        </p:txBody>
+      </p:sp>
+      <p:sp>
+        <p:nvSpPr>
+          <p:cNvPr id="87" name="CaixaDeTexto 86"/>
+          <p:cNvSpPr txBox="1"/>
+          <p:nvPr/>
+        </p:nvSpPr>
+        <p:spPr>
+          <a:xfrm>
+            <a:off x="4956648" y="545661"/>
+            <a:ext cx="359585" cy="369332"/>
+          </a:xfrm>
+          <a:prstGeom prst="rect">
+            <a:avLst/>
+          </a:prstGeom>
+          <a:noFill/>
+        </p:spPr>
+        <p:txBody>
+          <a:bodyPr wrap="square" rtlCol="0">
+            <a:spAutoFit/>
+          </a:bodyPr>
+          <a:lstStyle/>
+          <a:p>
+            <a:pPr algn="ctr"/>
+            <a:r>
+              <a:rPr lang="pt-PT" dirty="0" smtClean="0"/>
+              <a:t>t</a:t>
+            </a:r>
+            <a:r>
+              <a:rPr lang="pt-PT" baseline="-25000" dirty="0"/>
+              <a:t>b</a:t>
+            </a:r>
+            <a:endParaRPr lang="pt-PT" baseline="-25000" dirty="0" smtClean="0"/>
+          </a:p>
+        </p:txBody>
+      </p:sp>
+      <p:sp>
+        <p:nvSpPr>
+          <p:cNvPr id="88" name="CaixaDeTexto 87"/>
+          <p:cNvSpPr txBox="1"/>
+          <p:nvPr/>
+        </p:nvSpPr>
+        <p:spPr>
+          <a:xfrm>
+            <a:off x="5441585" y="545661"/>
+            <a:ext cx="494773" cy="369332"/>
+          </a:xfrm>
+          <a:prstGeom prst="rect">
+            <a:avLst/>
+          </a:prstGeom>
+          <a:noFill/>
+        </p:spPr>
+        <p:txBody>
+          <a:bodyPr wrap="square" rtlCol="0">
+            <a:spAutoFit/>
+          </a:bodyPr>
+          <a:lstStyle/>
+          <a:p>
+            <a:pPr algn="ctr"/>
+            <a:r>
+              <a:rPr lang="pt-PT" dirty="0" smtClean="0"/>
+              <a:t>t</a:t>
+            </a:r>
+            <a:r>
+              <a:rPr lang="pt-PT" baseline="-25000" dirty="0"/>
+              <a:t>c</a:t>
+            </a:r>
+            <a:endParaRPr lang="pt-PT" baseline="-25000" dirty="0" smtClean="0"/>
+          </a:p>
+        </p:txBody>
+      </p:sp>
+      <p:sp>
+        <p:nvSpPr>
+          <p:cNvPr id="89" name="CaixaDeTexto 88"/>
+          <p:cNvSpPr txBox="1"/>
+          <p:nvPr/>
+        </p:nvSpPr>
+        <p:spPr>
+          <a:xfrm>
+            <a:off x="5936358" y="545661"/>
+            <a:ext cx="439395" cy="369332"/>
+          </a:xfrm>
+          <a:prstGeom prst="rect">
+            <a:avLst/>
+          </a:prstGeom>
+          <a:noFill/>
+        </p:spPr>
+        <p:txBody>
+          <a:bodyPr wrap="square" rtlCol="0">
+            <a:spAutoFit/>
+          </a:bodyPr>
+          <a:lstStyle/>
+          <a:p>
+            <a:pPr algn="ctr"/>
+            <a:r>
+              <a:rPr lang="pt-PT" dirty="0" smtClean="0"/>
+              <a:t>t</a:t>
+            </a:r>
+            <a:r>
+              <a:rPr lang="pt-PT" baseline="-25000" dirty="0"/>
+              <a:t>d</a:t>
+            </a:r>
+            <a:endParaRPr lang="pt-PT" baseline="-25000" dirty="0" smtClean="0"/>
+          </a:p>
+        </p:txBody>
+      </p:sp>
+      <mc:AlternateContent xmlns:mc="http://schemas.openxmlformats.org/markup-compatibility/2006">
+        <mc:Choice xmlns:a14="http://schemas.microsoft.com/office/drawing/2010/main" Requires="a14">
+          <p:sp>
+            <p:nvSpPr>
+              <p:cNvPr id="91" name="CaixaDeTexto 90"/>
+              <p:cNvSpPr txBox="1"/>
+              <p:nvPr/>
+            </p:nvSpPr>
+            <p:spPr>
+              <a:xfrm>
+                <a:off x="5049971" y="81060"/>
+                <a:ext cx="783228" cy="276999"/>
+              </a:xfrm>
+              <a:prstGeom prst="rect">
+                <a:avLst/>
+              </a:prstGeom>
+              <a:noFill/>
+            </p:spPr>
+            <p:txBody>
+              <a:bodyPr wrap="none" lIns="0" tIns="0" rIns="0" bIns="0" rtlCol="0">
+                <a:spAutoFit/>
+              </a:bodyPr>
+              <a:lstStyle/>
+              <a:p>
+                <a14:m>
+                  <m:oMathPara xmlns:m="http://schemas.openxmlformats.org/officeDocument/2006/math">
+                    <m:oMathParaPr>
+                      <m:jc m:val="centerGroup"/>
+                    </m:oMathParaPr>
+                    <m:oMath xmlns:m="http://schemas.openxmlformats.org/officeDocument/2006/math">
+                      <m:sSub>
+                        <m:sSubPr>
+                          <m:ctrlPr>
+                            <a:rPr lang="pt-PT" b="0" i="1" smtClean="0">
+                              <a:latin typeface="Cambria Math" panose="02040503050406030204" pitchFamily="18" charset="0"/>
+                            </a:rPr>
+                          </m:ctrlPr>
+                        </m:sSubPr>
+                        <m:e>
+                          <m:r>
+                            <a:rPr lang="pt-PT" b="0" i="1" smtClean="0">
+                              <a:latin typeface="Cambria Math" panose="02040503050406030204" pitchFamily="18" charset="0"/>
+                            </a:rPr>
+                            <m:t>𝑡</m:t>
+                          </m:r>
+                        </m:e>
+                        <m:sub>
+                          <m:r>
+                            <a:rPr lang="pt-PT" b="0" i="1" smtClean="0">
+                              <a:latin typeface="Cambria Math" panose="02040503050406030204" pitchFamily="18" charset="0"/>
+                            </a:rPr>
+                            <m:t>𝑏</m:t>
+                          </m:r>
+                        </m:sub>
+                      </m:sSub>
+                      <m:r>
+                        <a:rPr lang="pt-PT" b="0" i="1" smtClean="0">
+                          <a:latin typeface="Cambria Math" panose="02040503050406030204" pitchFamily="18" charset="0"/>
+                        </a:rPr>
+                        <m:t>+</m:t>
+                      </m:r>
+                      <m:sSub>
+                        <m:sSubPr>
+                          <m:ctrlPr>
+                            <a:rPr lang="pt-PT" b="0" i="0" smtClean="0">
+                              <a:latin typeface="Cambria Math" panose="02040503050406030204" pitchFamily="18" charset="0"/>
+                            </a:rPr>
+                          </m:ctrlPr>
+                        </m:sSubPr>
+                        <m:e>
+                          <m:r>
+                            <m:rPr>
+                              <m:sty m:val="p"/>
+                            </m:rPr>
+                            <a:rPr lang="pt-PT" b="0" i="0" smtClean="0">
+                              <a:latin typeface="Cambria Math" panose="02040503050406030204" pitchFamily="18" charset="0"/>
+                            </a:rPr>
+                            <m:t>Δ</m:t>
+                          </m:r>
+                        </m:e>
+                        <m:sub>
+                          <m:r>
+                            <m:rPr>
+                              <m:sty m:val="p"/>
+                            </m:rPr>
+                            <a:rPr lang="pt-PT" b="0" i="0" smtClean="0">
+                              <a:latin typeface="Cambria Math" panose="02040503050406030204" pitchFamily="18" charset="0"/>
+                            </a:rPr>
+                            <m:t>b</m:t>
+                          </m:r>
+                        </m:sub>
+                      </m:sSub>
+                    </m:oMath>
+                  </m:oMathPara>
+                </a14:m>
+                <a:endParaRPr lang="pt-BR" dirty="0"/>
+              </a:p>
+            </p:txBody>
+          </p:sp>
+        </mc:Choice>
+        <mc:Fallback>
+          <p:sp>
+            <p:nvSpPr>
+              <p:cNvPr id="91" name="CaixaDeTexto 90"/>
+              <p:cNvSpPr txBox="1">
+                <a:spLocks noRot="1" noChangeAspect="1" noMove="1" noResize="1" noEditPoints="1" noAdjustHandles="1" noChangeArrowheads="1" noChangeShapeType="1" noTextEdit="1"/>
+              </p:cNvSpPr>
+              <p:nvPr/>
+            </p:nvSpPr>
+            <p:spPr>
+              <a:xfrm>
+                <a:off x="5049971" y="81060"/>
+                <a:ext cx="783228" cy="276999"/>
+              </a:xfrm>
+              <a:prstGeom prst="rect">
+                <a:avLst/>
+              </a:prstGeom>
+              <a:blipFill rotWithShape="0">
+                <a:blip r:embed="rId2"/>
+                <a:stretch>
+                  <a:fillRect l="-5426" r="-3876" b="-17391"/>
+                </a:stretch>
+              </a:blipFill>
+            </p:spPr>
+            <p:txBody>
+              <a:bodyPr/>
+              <a:lstStyle/>
+              <a:p>
+                <a:r>
+                  <a:rPr lang="pt-BR">
+                    <a:noFill/>
+                  </a:rPr>
+                  <a:t> </a:t>
+                </a:r>
+              </a:p>
+            </p:txBody>
+          </p:sp>
+        </mc:Fallback>
+      </mc:AlternateContent>
+      <mc:AlternateContent xmlns:mc="http://schemas.openxmlformats.org/markup-compatibility/2006">
+        <mc:Choice xmlns:a14="http://schemas.microsoft.com/office/drawing/2010/main" Requires="a14">
+          <p:sp>
+            <p:nvSpPr>
+              <p:cNvPr id="94" name="CaixaDeTexto 93"/>
+              <p:cNvSpPr txBox="1"/>
+              <p:nvPr/>
+            </p:nvSpPr>
+            <p:spPr>
+              <a:xfrm>
+                <a:off x="6158878" y="107075"/>
+                <a:ext cx="792076" cy="276999"/>
+              </a:xfrm>
+              <a:prstGeom prst="rect">
+                <a:avLst/>
+              </a:prstGeom>
+              <a:noFill/>
+            </p:spPr>
+            <p:txBody>
+              <a:bodyPr wrap="none" lIns="0" tIns="0" rIns="0" bIns="0" rtlCol="0">
+                <a:spAutoFit/>
+              </a:bodyPr>
+              <a:lstStyle/>
+              <a:p>
+                <a14:m>
+                  <m:oMathPara xmlns:m="http://schemas.openxmlformats.org/officeDocument/2006/math">
+                    <m:oMathParaPr>
+                      <m:jc m:val="centerGroup"/>
+                    </m:oMathParaPr>
+                    <m:oMath xmlns:m="http://schemas.openxmlformats.org/officeDocument/2006/math">
+                      <m:sSub>
+                        <m:sSubPr>
+                          <m:ctrlPr>
+                            <a:rPr lang="pt-PT" b="0" i="1" smtClean="0">
+                              <a:latin typeface="Cambria Math" panose="02040503050406030204" pitchFamily="18" charset="0"/>
+                            </a:rPr>
+                          </m:ctrlPr>
+                        </m:sSubPr>
+                        <m:e>
+                          <m:r>
+                            <a:rPr lang="pt-PT" b="0" i="1" smtClean="0">
+                              <a:latin typeface="Cambria Math" panose="02040503050406030204" pitchFamily="18" charset="0"/>
+                            </a:rPr>
+                            <m:t>𝑡</m:t>
+                          </m:r>
+                        </m:e>
+                        <m:sub>
+                          <m:r>
+                            <a:rPr lang="pt-PT" b="0" i="1" smtClean="0">
+                              <a:latin typeface="Cambria Math" panose="02040503050406030204" pitchFamily="18" charset="0"/>
+                            </a:rPr>
+                            <m:t>𝑑</m:t>
+                          </m:r>
+                        </m:sub>
+                      </m:sSub>
+                      <m:r>
+                        <a:rPr lang="pt-PT" b="0" i="1" smtClean="0">
+                          <a:latin typeface="Cambria Math" panose="02040503050406030204" pitchFamily="18" charset="0"/>
+                        </a:rPr>
+                        <m:t>+</m:t>
+                      </m:r>
+                      <m:sSub>
+                        <m:sSubPr>
+                          <m:ctrlPr>
+                            <a:rPr lang="pt-PT" b="0" i="0" smtClean="0">
+                              <a:latin typeface="Cambria Math" panose="02040503050406030204" pitchFamily="18" charset="0"/>
+                            </a:rPr>
+                          </m:ctrlPr>
+                        </m:sSubPr>
+                        <m:e>
+                          <m:r>
+                            <m:rPr>
+                              <m:sty m:val="p"/>
+                            </m:rPr>
+                            <a:rPr lang="pt-PT" b="0" i="0" smtClean="0">
+                              <a:latin typeface="Cambria Math" panose="02040503050406030204" pitchFamily="18" charset="0"/>
+                            </a:rPr>
+                            <m:t>Δ</m:t>
+                          </m:r>
+                        </m:e>
+                        <m:sub>
+                          <m:r>
+                            <m:rPr>
+                              <m:sty m:val="p"/>
+                            </m:rPr>
+                            <a:rPr lang="pt-PT" b="0" i="0" smtClean="0">
+                              <a:latin typeface="Cambria Math" panose="02040503050406030204" pitchFamily="18" charset="0"/>
+                            </a:rPr>
+                            <m:t>d</m:t>
+                          </m:r>
+                        </m:sub>
+                      </m:sSub>
+                    </m:oMath>
+                  </m:oMathPara>
+                </a14:m>
+                <a:endParaRPr lang="pt-BR" dirty="0"/>
+              </a:p>
+            </p:txBody>
+          </p:sp>
+        </mc:Choice>
+        <mc:Fallback>
+          <p:sp>
+            <p:nvSpPr>
+              <p:cNvPr id="94" name="CaixaDeTexto 93"/>
+              <p:cNvSpPr txBox="1">
+                <a:spLocks noRot="1" noChangeAspect="1" noMove="1" noResize="1" noEditPoints="1" noAdjustHandles="1" noChangeArrowheads="1" noChangeShapeType="1" noTextEdit="1"/>
+              </p:cNvSpPr>
+              <p:nvPr/>
+            </p:nvSpPr>
+            <p:spPr>
+              <a:xfrm>
+                <a:off x="6158878" y="107075"/>
+                <a:ext cx="792076" cy="276999"/>
+              </a:xfrm>
+              <a:prstGeom prst="rect">
+                <a:avLst/>
+              </a:prstGeom>
+              <a:blipFill rotWithShape="0">
+                <a:blip r:embed="rId3"/>
+                <a:stretch>
+                  <a:fillRect l="-5385" r="-3846" b="-17778"/>
+                </a:stretch>
+              </a:blipFill>
+            </p:spPr>
+            <p:txBody>
+              <a:bodyPr/>
+              <a:lstStyle/>
+              <a:p>
+                <a:r>
+                  <a:rPr lang="pt-BR">
+                    <a:noFill/>
+                  </a:rPr>
+                  <a:t> </a:t>
+                </a:r>
+              </a:p>
+            </p:txBody>
+          </p:sp>
+        </mc:Fallback>
+      </mc:AlternateContent>
+      <p:sp>
+        <p:nvSpPr>
+          <p:cNvPr id="18" name="CaixaDeTexto 17"/>
+          <p:cNvSpPr txBox="1"/>
+          <p:nvPr/>
+        </p:nvSpPr>
+        <p:spPr>
+          <a:xfrm>
+            <a:off x="831763" y="1517976"/>
+            <a:ext cx="1224643" cy="369332"/>
+          </a:xfrm>
+          <a:prstGeom prst="rect">
+            <a:avLst/>
+          </a:prstGeom>
+          <a:noFill/>
+        </p:spPr>
+        <p:txBody>
+          <a:bodyPr wrap="square" rtlCol="0">
+            <a:spAutoFit/>
+          </a:bodyPr>
+          <a:lstStyle/>
+          <a:p>
+            <a:pPr algn="ctr"/>
+            <a:r>
+              <a:rPr lang="pt-PT" dirty="0" smtClean="0"/>
+              <a:t>PCR TX</a:t>
+            </a:r>
+            <a:endParaRPr lang="pt-PT" dirty="0" smtClean="0"/>
+          </a:p>
+        </p:txBody>
+      </p:sp>
+      <p:sp>
+        <p:nvSpPr>
+          <p:cNvPr id="19" name="CaixaDeTexto 18"/>
+          <p:cNvSpPr txBox="1"/>
+          <p:nvPr/>
+        </p:nvSpPr>
+        <p:spPr>
+          <a:xfrm>
+            <a:off x="861630" y="2721722"/>
+            <a:ext cx="1224643" cy="369332"/>
+          </a:xfrm>
+          <a:prstGeom prst="rect">
+            <a:avLst/>
+          </a:prstGeom>
+          <a:noFill/>
+        </p:spPr>
+        <p:txBody>
+          <a:bodyPr wrap="square" rtlCol="0">
+            <a:spAutoFit/>
+          </a:bodyPr>
+          <a:lstStyle/>
+          <a:p>
+            <a:pPr algn="ctr"/>
+            <a:r>
+              <a:rPr lang="pt-PT" dirty="0" smtClean="0"/>
+              <a:t>PCR RX</a:t>
+            </a:r>
+            <a:endParaRPr lang="pt-PT" dirty="0" smtClean="0"/>
+          </a:p>
+        </p:txBody>
+      </p:sp>
+      <p:sp>
+        <p:nvSpPr>
+          <p:cNvPr id="20" name="CaixaDeTexto 19"/>
+          <p:cNvSpPr txBox="1"/>
+          <p:nvPr/>
+        </p:nvSpPr>
+        <p:spPr>
+          <a:xfrm>
+            <a:off x="861629" y="4134885"/>
+            <a:ext cx="1224643" cy="369332"/>
+          </a:xfrm>
+          <a:prstGeom prst="rect">
+            <a:avLst/>
+          </a:prstGeom>
+          <a:noFill/>
+        </p:spPr>
+        <p:txBody>
+          <a:bodyPr wrap="square" rtlCol="0">
+            <a:spAutoFit/>
+          </a:bodyPr>
+          <a:lstStyle/>
+          <a:p>
+            <a:pPr algn="ctr"/>
+            <a:r>
+              <a:rPr lang="pt-PT" dirty="0" smtClean="0"/>
+              <a:t>STC RX</a:t>
+            </a:r>
+            <a:endParaRPr lang="pt-PT" dirty="0" smtClean="0"/>
+          </a:p>
+        </p:txBody>
+      </p:sp>
+      <p:sp>
+        <p:nvSpPr>
+          <p:cNvPr id="21" name="CaixaDeTexto 20"/>
+          <p:cNvSpPr txBox="1"/>
+          <p:nvPr/>
+        </p:nvSpPr>
+        <p:spPr>
+          <a:xfrm>
+            <a:off x="1974525" y="1490157"/>
+            <a:ext cx="1224643" cy="461665"/>
+          </a:xfrm>
+          <a:prstGeom prst="rect">
+            <a:avLst/>
+          </a:prstGeom>
+          <a:noFill/>
+        </p:spPr>
+        <p:txBody>
+          <a:bodyPr wrap="square" rtlCol="0">
+            <a:spAutoFit/>
+          </a:bodyPr>
+          <a:lstStyle/>
+          <a:p>
+            <a:pPr algn="ctr"/>
+            <a:r>
+              <a:rPr lang="pt-PT" sz="2400" dirty="0" smtClean="0"/>
+              <a:t>0</a:t>
+            </a:r>
+            <a:endParaRPr lang="pt-PT" sz="2400" dirty="0" smtClean="0"/>
+          </a:p>
+        </p:txBody>
+      </p:sp>
+      <p:sp>
+        <p:nvSpPr>
+          <p:cNvPr id="22" name="CaixaDeTexto 21"/>
+          <p:cNvSpPr txBox="1"/>
+          <p:nvPr/>
+        </p:nvSpPr>
+        <p:spPr>
+          <a:xfrm>
+            <a:off x="2473299" y="2723212"/>
+            <a:ext cx="1224643" cy="461665"/>
+          </a:xfrm>
+          <a:prstGeom prst="rect">
+            <a:avLst/>
+          </a:prstGeom>
+          <a:noFill/>
+        </p:spPr>
+        <p:txBody>
+          <a:bodyPr wrap="square" rtlCol="0">
+            <a:spAutoFit/>
+          </a:bodyPr>
+          <a:lstStyle/>
+          <a:p>
+            <a:pPr algn="ctr"/>
+            <a:r>
+              <a:rPr lang="pt-PT" sz="2400" dirty="0" smtClean="0"/>
+              <a:t>0</a:t>
+            </a:r>
+            <a:endParaRPr lang="pt-PT" sz="2400" dirty="0" smtClean="0"/>
+          </a:p>
+        </p:txBody>
+      </p:sp>
+      <p:sp>
+        <p:nvSpPr>
+          <p:cNvPr id="23" name="CaixaDeTexto 22"/>
+          <p:cNvSpPr txBox="1"/>
+          <p:nvPr/>
+        </p:nvSpPr>
+        <p:spPr>
+          <a:xfrm>
+            <a:off x="2473298" y="4136375"/>
+            <a:ext cx="1224643" cy="461665"/>
+          </a:xfrm>
+          <a:prstGeom prst="rect">
+            <a:avLst/>
+          </a:prstGeom>
+          <a:noFill/>
+        </p:spPr>
+        <p:txBody>
+          <a:bodyPr wrap="square" rtlCol="0">
+            <a:spAutoFit/>
+          </a:bodyPr>
+          <a:lstStyle/>
+          <a:p>
+            <a:pPr algn="ctr"/>
+            <a:r>
+              <a:rPr lang="pt-PT" sz="2400" dirty="0" smtClean="0"/>
+              <a:t>0</a:t>
+            </a:r>
+            <a:endParaRPr lang="pt-PT" sz="2400" dirty="0" smtClean="0"/>
+          </a:p>
+        </p:txBody>
+      </p:sp>
+      <p:sp>
+        <p:nvSpPr>
+          <p:cNvPr id="24" name="CaixaDeTexto 23"/>
+          <p:cNvSpPr txBox="1"/>
+          <p:nvPr/>
+        </p:nvSpPr>
+        <p:spPr>
+          <a:xfrm>
+            <a:off x="2973872" y="1471391"/>
+            <a:ext cx="1224643" cy="461665"/>
+          </a:xfrm>
+          <a:prstGeom prst="rect">
+            <a:avLst/>
+          </a:prstGeom>
+          <a:noFill/>
+        </p:spPr>
+        <p:txBody>
+          <a:bodyPr wrap="square" rtlCol="0">
+            <a:spAutoFit/>
+          </a:bodyPr>
+          <a:lstStyle/>
+          <a:p>
+            <a:pPr algn="ctr"/>
+            <a:r>
+              <a:rPr lang="pt-PT" sz="2400" dirty="0" smtClean="0"/>
+              <a:t>1</a:t>
+            </a:r>
+            <a:endParaRPr lang="pt-PT" sz="2400" dirty="0" smtClean="0"/>
+          </a:p>
+        </p:txBody>
+      </p:sp>
+      <p:sp>
+        <p:nvSpPr>
+          <p:cNvPr id="25" name="CaixaDeTexto 24"/>
+          <p:cNvSpPr txBox="1"/>
+          <p:nvPr/>
+        </p:nvSpPr>
+        <p:spPr>
+          <a:xfrm>
+            <a:off x="3472646" y="2704446"/>
+            <a:ext cx="1224643" cy="461665"/>
+          </a:xfrm>
+          <a:prstGeom prst="rect">
+            <a:avLst/>
+          </a:prstGeom>
+          <a:noFill/>
+        </p:spPr>
+        <p:txBody>
+          <a:bodyPr wrap="square" rtlCol="0">
+            <a:spAutoFit/>
+          </a:bodyPr>
+          <a:lstStyle/>
+          <a:p>
+            <a:pPr algn="ctr"/>
+            <a:r>
+              <a:rPr lang="pt-PT" sz="2400" dirty="0" smtClean="0"/>
+              <a:t>1</a:t>
+            </a:r>
+            <a:endParaRPr lang="pt-PT" sz="2400" dirty="0" smtClean="0"/>
+          </a:p>
+        </p:txBody>
+      </p:sp>
+      <p:sp>
+        <p:nvSpPr>
+          <p:cNvPr id="26" name="CaixaDeTexto 25"/>
+          <p:cNvSpPr txBox="1"/>
+          <p:nvPr/>
+        </p:nvSpPr>
+        <p:spPr>
+          <a:xfrm>
+            <a:off x="3472645" y="4117609"/>
+            <a:ext cx="1224643" cy="461665"/>
+          </a:xfrm>
+          <a:prstGeom prst="rect">
+            <a:avLst/>
+          </a:prstGeom>
+          <a:noFill/>
+        </p:spPr>
+        <p:txBody>
+          <a:bodyPr wrap="square" rtlCol="0">
+            <a:spAutoFit/>
+          </a:bodyPr>
+          <a:lstStyle/>
+          <a:p>
+            <a:pPr algn="ctr"/>
+            <a:r>
+              <a:rPr lang="pt-PT" sz="2400" dirty="0" smtClean="0"/>
+              <a:t>1</a:t>
+            </a:r>
+            <a:endParaRPr lang="pt-PT" sz="2400" dirty="0" smtClean="0"/>
+          </a:p>
+        </p:txBody>
+      </p:sp>
+      <p:sp>
+        <p:nvSpPr>
+          <p:cNvPr id="27" name="CaixaDeTexto 26"/>
+          <p:cNvSpPr txBox="1"/>
+          <p:nvPr/>
+        </p:nvSpPr>
+        <p:spPr>
+          <a:xfrm>
+            <a:off x="4063264" y="1471391"/>
+            <a:ext cx="1224643" cy="461665"/>
+          </a:xfrm>
+          <a:prstGeom prst="rect">
+            <a:avLst/>
+          </a:prstGeom>
+          <a:noFill/>
+        </p:spPr>
+        <p:txBody>
+          <a:bodyPr wrap="square" rtlCol="0">
+            <a:spAutoFit/>
+          </a:bodyPr>
+          <a:lstStyle/>
+          <a:p>
+            <a:pPr algn="ctr"/>
+            <a:r>
+              <a:rPr lang="pt-PT" sz="2400" dirty="0" smtClean="0"/>
+              <a:t>2</a:t>
+            </a:r>
+            <a:endParaRPr lang="pt-PT" sz="2400" dirty="0" smtClean="0"/>
+          </a:p>
+        </p:txBody>
+      </p:sp>
+      <p:sp>
+        <p:nvSpPr>
+          <p:cNvPr id="28" name="CaixaDeTexto 27"/>
+          <p:cNvSpPr txBox="1"/>
+          <p:nvPr/>
+        </p:nvSpPr>
+        <p:spPr>
+          <a:xfrm>
+            <a:off x="4831296" y="2704446"/>
+            <a:ext cx="1224643" cy="461665"/>
+          </a:xfrm>
+          <a:prstGeom prst="rect">
+            <a:avLst/>
+          </a:prstGeom>
+          <a:noFill/>
+        </p:spPr>
+        <p:txBody>
+          <a:bodyPr wrap="square" rtlCol="0">
+            <a:spAutoFit/>
+          </a:bodyPr>
+          <a:lstStyle/>
+          <a:p>
+            <a:pPr algn="ctr"/>
+            <a:r>
+              <a:rPr lang="pt-PT" sz="2400" dirty="0" smtClean="0"/>
+              <a:t>2</a:t>
+            </a:r>
+            <a:endParaRPr lang="pt-PT" sz="2400" dirty="0" smtClean="0"/>
+          </a:p>
+        </p:txBody>
+      </p:sp>
+      <p:sp>
+        <p:nvSpPr>
+          <p:cNvPr id="29" name="CaixaDeTexto 28"/>
+          <p:cNvSpPr txBox="1"/>
+          <p:nvPr/>
+        </p:nvSpPr>
+        <p:spPr>
+          <a:xfrm>
+            <a:off x="4562037" y="4117609"/>
+            <a:ext cx="1224643" cy="461665"/>
+          </a:xfrm>
+          <a:prstGeom prst="rect">
+            <a:avLst/>
+          </a:prstGeom>
+          <a:noFill/>
+        </p:spPr>
+        <p:txBody>
+          <a:bodyPr wrap="square" rtlCol="0">
+            <a:spAutoFit/>
+          </a:bodyPr>
+          <a:lstStyle/>
+          <a:p>
+            <a:pPr algn="ctr"/>
+            <a:r>
+              <a:rPr lang="pt-PT" sz="2400" dirty="0" smtClean="0"/>
+              <a:t>2</a:t>
+            </a:r>
+            <a:endParaRPr lang="pt-PT" sz="2400" dirty="0" smtClean="0"/>
+          </a:p>
+        </p:txBody>
+      </p:sp>
+      <p:sp>
+        <p:nvSpPr>
+          <p:cNvPr id="30" name="CaixaDeTexto 29"/>
+          <p:cNvSpPr txBox="1"/>
+          <p:nvPr/>
+        </p:nvSpPr>
+        <p:spPr>
+          <a:xfrm>
+            <a:off x="5062611" y="1471391"/>
+            <a:ext cx="1224643" cy="461665"/>
+          </a:xfrm>
+          <a:prstGeom prst="rect">
+            <a:avLst/>
+          </a:prstGeom>
+          <a:noFill/>
+        </p:spPr>
+        <p:txBody>
+          <a:bodyPr wrap="square" rtlCol="0">
+            <a:spAutoFit/>
+          </a:bodyPr>
+          <a:lstStyle/>
+          <a:p>
+            <a:pPr algn="ctr"/>
+            <a:r>
+              <a:rPr lang="pt-PT" sz="2400" dirty="0" smtClean="0"/>
+              <a:t>3</a:t>
+            </a:r>
+            <a:endParaRPr lang="pt-PT" sz="2400" dirty="0" smtClean="0"/>
+          </a:p>
+        </p:txBody>
+      </p:sp>
+      <p:sp>
+        <p:nvSpPr>
+          <p:cNvPr id="31" name="CaixaDeTexto 30"/>
+          <p:cNvSpPr txBox="1"/>
+          <p:nvPr/>
+        </p:nvSpPr>
+        <p:spPr>
+          <a:xfrm>
+            <a:off x="5561385" y="2704446"/>
+            <a:ext cx="1224643" cy="461665"/>
+          </a:xfrm>
+          <a:prstGeom prst="rect">
+            <a:avLst/>
+          </a:prstGeom>
+          <a:noFill/>
+        </p:spPr>
+        <p:txBody>
+          <a:bodyPr wrap="square" rtlCol="0">
+            <a:spAutoFit/>
+          </a:bodyPr>
+          <a:lstStyle/>
+          <a:p>
+            <a:pPr algn="ctr"/>
+            <a:r>
+              <a:rPr lang="pt-PT" sz="2400" dirty="0" smtClean="0"/>
+              <a:t>3</a:t>
+            </a:r>
+            <a:endParaRPr lang="pt-PT" sz="2400" dirty="0" smtClean="0"/>
+          </a:p>
+        </p:txBody>
+      </p:sp>
+      <p:sp>
+        <p:nvSpPr>
+          <p:cNvPr id="32" name="CaixaDeTexto 31"/>
+          <p:cNvSpPr txBox="1"/>
+          <p:nvPr/>
+        </p:nvSpPr>
+        <p:spPr>
+          <a:xfrm>
+            <a:off x="5936358" y="4128930"/>
+            <a:ext cx="1224643" cy="461665"/>
+          </a:xfrm>
+          <a:prstGeom prst="rect">
+            <a:avLst/>
+          </a:prstGeom>
+          <a:noFill/>
+        </p:spPr>
+        <p:txBody>
+          <a:bodyPr wrap="square" rtlCol="0">
+            <a:spAutoFit/>
+          </a:bodyPr>
+          <a:lstStyle/>
+          <a:p>
+            <a:pPr algn="ctr"/>
+            <a:r>
+              <a:rPr lang="pt-PT" sz="2400" dirty="0" smtClean="0"/>
+              <a:t>3</a:t>
+            </a:r>
+            <a:endParaRPr lang="pt-PT" sz="2400" dirty="0" smtClean="0"/>
+          </a:p>
+        </p:txBody>
+      </p:sp>
+      <p:sp>
+        <p:nvSpPr>
+          <p:cNvPr id="33" name="CaixaDeTexto 32"/>
+          <p:cNvSpPr txBox="1"/>
+          <p:nvPr/>
+        </p:nvSpPr>
+        <p:spPr>
+          <a:xfrm>
+            <a:off x="6051719" y="1488667"/>
+            <a:ext cx="1224643" cy="461665"/>
+          </a:xfrm>
+          <a:prstGeom prst="rect">
+            <a:avLst/>
+          </a:prstGeom>
+          <a:noFill/>
+        </p:spPr>
+        <p:txBody>
+          <a:bodyPr wrap="square" rtlCol="0">
+            <a:spAutoFit/>
+          </a:bodyPr>
+          <a:lstStyle/>
+          <a:p>
+            <a:pPr algn="ctr"/>
+            <a:r>
+              <a:rPr lang="pt-PT" sz="2400" dirty="0" smtClean="0"/>
+              <a:t>4</a:t>
+            </a:r>
+            <a:endParaRPr lang="pt-PT" sz="2400" dirty="0" smtClean="0"/>
+          </a:p>
+        </p:txBody>
+      </p:sp>
+      <p:sp>
+        <p:nvSpPr>
+          <p:cNvPr id="34" name="CaixaDeTexto 33"/>
+          <p:cNvSpPr txBox="1"/>
+          <p:nvPr/>
+        </p:nvSpPr>
+        <p:spPr>
+          <a:xfrm>
+            <a:off x="6550493" y="2721722"/>
+            <a:ext cx="1224643" cy="461665"/>
+          </a:xfrm>
+          <a:prstGeom prst="rect">
+            <a:avLst/>
+          </a:prstGeom>
+          <a:noFill/>
+        </p:spPr>
+        <p:txBody>
+          <a:bodyPr wrap="square" rtlCol="0">
+            <a:spAutoFit/>
+          </a:bodyPr>
+          <a:lstStyle/>
+          <a:p>
+            <a:pPr algn="ctr"/>
+            <a:r>
+              <a:rPr lang="pt-PT" sz="2400" dirty="0" smtClean="0"/>
+              <a:t>4</a:t>
+            </a:r>
+            <a:endParaRPr lang="pt-PT" sz="2400" dirty="0" smtClean="0"/>
+          </a:p>
+        </p:txBody>
+      </p:sp>
+      <p:sp>
+        <p:nvSpPr>
+          <p:cNvPr id="35" name="CaixaDeTexto 34"/>
+          <p:cNvSpPr txBox="1"/>
+          <p:nvPr/>
+        </p:nvSpPr>
+        <p:spPr>
+          <a:xfrm>
+            <a:off x="6550492" y="4134885"/>
+            <a:ext cx="1224643" cy="461665"/>
+          </a:xfrm>
+          <a:prstGeom prst="rect">
+            <a:avLst/>
+          </a:prstGeom>
+          <a:noFill/>
+        </p:spPr>
+        <p:txBody>
+          <a:bodyPr wrap="square" rtlCol="0">
+            <a:spAutoFit/>
+          </a:bodyPr>
+          <a:lstStyle/>
+          <a:p>
+            <a:pPr algn="ctr"/>
+            <a:r>
+              <a:rPr lang="pt-PT" sz="2400" dirty="0" smtClean="0"/>
+              <a:t>4</a:t>
+            </a:r>
+            <a:endParaRPr lang="pt-PT" sz="2400" dirty="0" smtClean="0"/>
+          </a:p>
+        </p:txBody>
+      </p:sp>
+      <p:cxnSp>
+        <p:nvCxnSpPr>
+          <p:cNvPr id="65" name="Conector de seta reta 64"/>
+          <p:cNvCxnSpPr/>
+          <p:nvPr/>
+        </p:nvCxnSpPr>
+        <p:spPr>
+          <a:xfrm>
+            <a:off x="5174358" y="4807527"/>
+            <a:ext cx="269259" cy="0"/>
+          </a:xfrm>
+          <a:prstGeom prst="straightConnector1">
+            <a:avLst/>
+          </a:prstGeom>
+          <a:ln>
+            <a:headEnd type="triangle"/>
+            <a:tailEnd type="triangle"/>
+          </a:ln>
+        </p:spPr>
+        <p:style>
+          <a:lnRef idx="1">
+            <a:schemeClr val="accent1"/>
+          </a:lnRef>
+          <a:fillRef idx="0">
+            <a:schemeClr val="accent1"/>
+          </a:fillRef>
+          <a:effectRef idx="0">
+            <a:schemeClr val="accent1"/>
+          </a:effectRef>
+          <a:fontRef idx="minor">
+            <a:schemeClr val="tx1"/>
+          </a:fontRef>
+        </p:style>
+      </p:cxnSp>
+      <p:sp>
+        <p:nvSpPr>
+          <p:cNvPr id="66" name="CaixaDeTexto 65"/>
+          <p:cNvSpPr txBox="1"/>
+          <p:nvPr/>
+        </p:nvSpPr>
+        <p:spPr>
+          <a:xfrm>
+            <a:off x="8705876" y="2398556"/>
+            <a:ext cx="1224643" cy="369332"/>
+          </a:xfrm>
+          <a:prstGeom prst="rect">
+            <a:avLst/>
+          </a:prstGeom>
+          <a:noFill/>
+        </p:spPr>
+        <p:txBody>
+          <a:bodyPr wrap="square" rtlCol="0">
+            <a:spAutoFit/>
+          </a:bodyPr>
+          <a:lstStyle/>
+          <a:p>
+            <a:pPr algn="ctr"/>
+            <a:r>
+              <a:rPr lang="pt-PT" dirty="0" smtClean="0"/>
+              <a:t>Error &gt; 0</a:t>
+            </a:r>
+            <a:endParaRPr lang="pt-PT" dirty="0" smtClean="0"/>
+          </a:p>
+        </p:txBody>
+      </p:sp>
+      <p:sp>
+        <p:nvSpPr>
+          <p:cNvPr id="67" name="CaixaDeTexto 66"/>
+          <p:cNvSpPr txBox="1"/>
+          <p:nvPr/>
+        </p:nvSpPr>
+        <p:spPr>
+          <a:xfrm>
+            <a:off x="8398604" y="2767888"/>
+            <a:ext cx="1749624" cy="646331"/>
+          </a:xfrm>
+          <a:prstGeom prst="rect">
+            <a:avLst/>
+          </a:prstGeom>
+          <a:noFill/>
+        </p:spPr>
+        <p:txBody>
+          <a:bodyPr wrap="square" rtlCol="0">
+            <a:spAutoFit/>
+          </a:bodyPr>
+          <a:lstStyle/>
+          <a:p>
+            <a:pPr algn="ctr"/>
+            <a:r>
+              <a:rPr lang="pt-PT" dirty="0" smtClean="0"/>
+              <a:t>F</a:t>
+            </a:r>
+            <a:r>
+              <a:rPr lang="pt-PT" baseline="-25000" dirty="0" smtClean="0"/>
+              <a:t>dec</a:t>
+            </a:r>
+            <a:r>
+              <a:rPr lang="pt-PT" dirty="0" smtClean="0"/>
+              <a:t> too high, reduce </a:t>
+            </a:r>
+            <a:r>
+              <a:rPr lang="pt-PT" dirty="0"/>
+              <a:t>F</a:t>
+            </a:r>
+            <a:r>
+              <a:rPr lang="pt-PT" baseline="-25000" dirty="0"/>
+              <a:t>dec</a:t>
+            </a:r>
+            <a:r>
+              <a:rPr lang="pt-PT" dirty="0"/>
+              <a:t> </a:t>
+            </a:r>
+            <a:endParaRPr lang="pt-PT" dirty="0" smtClean="0"/>
+          </a:p>
+        </p:txBody>
+      </p:sp>
+      <p:cxnSp>
+        <p:nvCxnSpPr>
+          <p:cNvPr id="69" name="Conector de seta reta 68"/>
+          <p:cNvCxnSpPr/>
+          <p:nvPr/>
+        </p:nvCxnSpPr>
+        <p:spPr>
+          <a:xfrm>
+            <a:off x="6161330" y="4784591"/>
+            <a:ext cx="390165" cy="17276"/>
+          </a:xfrm>
+          <a:prstGeom prst="straightConnector1">
+            <a:avLst/>
+          </a:prstGeom>
+          <a:ln>
+            <a:headEnd type="triangle"/>
+            <a:tailEnd type="triangle"/>
+          </a:ln>
+        </p:spPr>
+        <p:style>
+          <a:lnRef idx="1">
+            <a:schemeClr val="accent1"/>
+          </a:lnRef>
+          <a:fillRef idx="0">
+            <a:schemeClr val="accent1"/>
+          </a:fillRef>
+          <a:effectRef idx="0">
+            <a:schemeClr val="accent1"/>
+          </a:effectRef>
+          <a:fontRef idx="minor">
+            <a:schemeClr val="tx1"/>
+          </a:fontRef>
+        </p:style>
+      </p:cxnSp>
+      <p:sp>
+        <p:nvSpPr>
+          <p:cNvPr id="74" name="Chave direita 73"/>
+          <p:cNvSpPr/>
+          <p:nvPr/>
+        </p:nvSpPr>
+        <p:spPr>
+          <a:xfrm flipH="1">
+            <a:off x="8404746" y="2469970"/>
+            <a:ext cx="114126" cy="872836"/>
+          </a:xfrm>
+          <a:prstGeom prst="rightBrace">
+            <a:avLst/>
+          </a:prstGeom>
+        </p:spPr>
+        <p:style>
+          <a:lnRef idx="1">
+            <a:schemeClr val="accent1"/>
+          </a:lnRef>
+          <a:fillRef idx="0">
+            <a:schemeClr val="accent1"/>
+          </a:fillRef>
+          <a:effectRef idx="0">
+            <a:schemeClr val="accent1"/>
+          </a:effectRef>
+          <a:fontRef idx="minor">
+            <a:schemeClr val="tx1"/>
+          </a:fontRef>
+        </p:style>
+        <p:txBody>
+          <a:bodyPr rtlCol="0" anchor="ctr"/>
+          <a:lstStyle/>
+          <a:p>
+            <a:pPr algn="ctr"/>
+            <a:endParaRPr lang="pt-BR"/>
+          </a:p>
+        </p:txBody>
+      </p:sp>
+      <p:grpSp>
+        <p:nvGrpSpPr>
+          <p:cNvPr id="95" name="Grupo 94"/>
+          <p:cNvGrpSpPr/>
+          <p:nvPr/>
+        </p:nvGrpSpPr>
+        <p:grpSpPr>
+          <a:xfrm>
+            <a:off x="8372263" y="3838955"/>
+            <a:ext cx="1775965" cy="964171"/>
+            <a:chOff x="6442314" y="4995697"/>
+            <a:chExt cx="1775965" cy="964171"/>
+          </a:xfrm>
+        </p:grpSpPr>
+        <p:sp>
+          <p:nvSpPr>
+            <p:cNvPr id="71" name="CaixaDeTexto 70"/>
+            <p:cNvSpPr txBox="1"/>
+            <p:nvPr/>
+          </p:nvSpPr>
+          <p:spPr>
+            <a:xfrm>
+              <a:off x="6593461" y="5030749"/>
+              <a:ext cx="1224643" cy="369332"/>
+            </a:xfrm>
+            <a:prstGeom prst="rect">
+              <a:avLst/>
+            </a:prstGeom>
+            <a:noFill/>
+          </p:spPr>
+          <p:txBody>
+            <a:bodyPr wrap="square" rtlCol="0">
+              <a:spAutoFit/>
+            </a:bodyPr>
+            <a:lstStyle/>
+            <a:p>
+              <a:pPr algn="ctr"/>
+              <a:r>
+                <a:rPr lang="pt-PT" dirty="0" smtClean="0"/>
+                <a:t>Error &lt; 0</a:t>
+              </a:r>
+              <a:endParaRPr lang="pt-PT" dirty="0" smtClean="0"/>
+            </a:p>
+          </p:txBody>
+        </p:sp>
+        <p:sp>
+          <p:nvSpPr>
+            <p:cNvPr id="72" name="CaixaDeTexto 71"/>
+            <p:cNvSpPr txBox="1"/>
+            <p:nvPr/>
+          </p:nvSpPr>
+          <p:spPr>
+            <a:xfrm>
+              <a:off x="6468655" y="5313537"/>
+              <a:ext cx="1749624" cy="646331"/>
+            </a:xfrm>
+            <a:prstGeom prst="rect">
+              <a:avLst/>
+            </a:prstGeom>
+            <a:noFill/>
+          </p:spPr>
+          <p:txBody>
+            <a:bodyPr wrap="square" rtlCol="0">
+              <a:spAutoFit/>
+            </a:bodyPr>
+            <a:lstStyle/>
+            <a:p>
+              <a:pPr algn="ctr"/>
+              <a:r>
+                <a:rPr lang="pt-PT" dirty="0"/>
+                <a:t>F</a:t>
+              </a:r>
+              <a:r>
+                <a:rPr lang="pt-PT" baseline="-25000" dirty="0"/>
+                <a:t>dec</a:t>
+              </a:r>
+              <a:r>
+                <a:rPr lang="pt-PT" dirty="0"/>
+                <a:t> </a:t>
+              </a:r>
+              <a:r>
+                <a:rPr lang="pt-PT" dirty="0" smtClean="0"/>
+                <a:t>too low, increase </a:t>
+              </a:r>
+              <a:r>
+                <a:rPr lang="pt-PT" dirty="0"/>
+                <a:t>F</a:t>
+              </a:r>
+              <a:r>
+                <a:rPr lang="pt-PT" baseline="-25000" dirty="0"/>
+                <a:t>dec</a:t>
+              </a:r>
+              <a:r>
+                <a:rPr lang="pt-PT" dirty="0"/>
+                <a:t> </a:t>
+              </a:r>
+              <a:endParaRPr lang="pt-PT" dirty="0" smtClean="0"/>
+            </a:p>
+          </p:txBody>
+        </p:sp>
+        <p:sp>
+          <p:nvSpPr>
+            <p:cNvPr id="77" name="Chave direita 76"/>
+            <p:cNvSpPr/>
+            <p:nvPr/>
+          </p:nvSpPr>
+          <p:spPr>
+            <a:xfrm flipH="1">
+              <a:off x="6442314" y="4995697"/>
+              <a:ext cx="169395" cy="872836"/>
+            </a:xfrm>
+            <a:prstGeom prst="rightBrace">
+              <a:avLst/>
+            </a:prstGeom>
+          </p:spPr>
+          <p:style>
+            <a:lnRef idx="1">
+              <a:schemeClr val="accent1"/>
+            </a:lnRef>
+            <a:fillRef idx="0">
+              <a:schemeClr val="accent1"/>
+            </a:fillRef>
+            <a:effectRef idx="0">
+              <a:schemeClr val="accent1"/>
+            </a:effectRef>
+            <a:fontRef idx="minor">
+              <a:schemeClr val="tx1"/>
+            </a:fontRef>
+          </p:style>
+          <p:txBody>
+            <a:bodyPr rtlCol="0" anchor="ctr"/>
+            <a:lstStyle/>
+            <a:p>
+              <a:pPr algn="ctr"/>
+              <a:endParaRPr lang="pt-BR"/>
+            </a:p>
+          </p:txBody>
+        </p:sp>
+      </p:grpSp>
+      <p:sp>
+        <p:nvSpPr>
+          <p:cNvPr id="90" name="CaixaDeTexto 89"/>
+          <p:cNvSpPr txBox="1"/>
+          <p:nvPr/>
+        </p:nvSpPr>
+        <p:spPr>
+          <a:xfrm>
+            <a:off x="5175690" y="2256962"/>
+            <a:ext cx="359585" cy="338554"/>
+          </a:xfrm>
+          <a:prstGeom prst="rect">
+            <a:avLst/>
+          </a:prstGeom>
+          <a:noFill/>
+        </p:spPr>
+        <p:txBody>
+          <a:bodyPr wrap="square" rtlCol="0">
+            <a:spAutoFit/>
+          </a:bodyPr>
+          <a:lstStyle/>
+          <a:p>
+            <a:pPr algn="ctr"/>
+            <a:endParaRPr lang="pt-PT" sz="2400" baseline="-25000" dirty="0" smtClean="0"/>
+          </a:p>
+        </p:txBody>
+      </p:sp>
+      <mc:AlternateContent xmlns:mc="http://schemas.openxmlformats.org/markup-compatibility/2006">
+        <mc:Choice xmlns:a14="http://schemas.microsoft.com/office/drawing/2010/main" Requires="a14">
+          <p:sp>
+            <p:nvSpPr>
+              <p:cNvPr id="97" name="Retângulo 96"/>
+              <p:cNvSpPr/>
+              <p:nvPr/>
+            </p:nvSpPr>
+            <p:spPr>
+              <a:xfrm>
+                <a:off x="5110895" y="4887714"/>
+                <a:ext cx="588559" cy="461665"/>
+              </a:xfrm>
+              <a:prstGeom prst="rect">
+                <a:avLst/>
+              </a:prstGeom>
+            </p:spPr>
+            <p:txBody>
+              <a:bodyPr wrap="none">
+                <a:spAutoFit/>
+              </a:bodyPr>
+              <a:lstStyle/>
+              <a:p>
+                <a14:m>
+                  <m:oMathPara xmlns:m="http://schemas.openxmlformats.org/officeDocument/2006/math">
+                    <m:oMathParaPr>
+                      <m:jc m:val="centerGroup"/>
+                    </m:oMathParaPr>
+                    <m:oMath xmlns:m="http://schemas.openxmlformats.org/officeDocument/2006/math">
+                      <m:sSub>
+                        <m:sSubPr>
+                          <m:ctrlPr>
+                            <a:rPr lang="pt-PT" sz="2400" i="1">
+                              <a:latin typeface="Cambria Math" panose="02040503050406030204" pitchFamily="18" charset="0"/>
+                            </a:rPr>
+                          </m:ctrlPr>
+                        </m:sSubPr>
+                        <m:e>
+                          <m:r>
+                            <m:rPr>
+                              <m:sty m:val="p"/>
+                            </m:rPr>
+                            <a:rPr lang="pt-PT" sz="2400">
+                              <a:latin typeface="Cambria Math" panose="02040503050406030204" pitchFamily="18" charset="0"/>
+                            </a:rPr>
+                            <m:t>Δ</m:t>
+                          </m:r>
+                        </m:e>
+                        <m:sub>
+                          <m:r>
+                            <m:rPr>
+                              <m:sty m:val="p"/>
+                            </m:rPr>
+                            <a:rPr lang="pt-PT" sz="2400">
+                              <a:latin typeface="Cambria Math" panose="02040503050406030204" pitchFamily="18" charset="0"/>
+                            </a:rPr>
+                            <m:t>b</m:t>
+                          </m:r>
+                        </m:sub>
+                      </m:sSub>
+                    </m:oMath>
+                  </m:oMathPara>
+                </a14:m>
+                <a:endParaRPr lang="pt-BR" sz="2400" dirty="0"/>
+              </a:p>
+            </p:txBody>
+          </p:sp>
+        </mc:Choice>
+        <mc:Fallback>
+          <p:sp>
+            <p:nvSpPr>
+              <p:cNvPr id="97" name="Retângulo 96"/>
+              <p:cNvSpPr>
+                <a:spLocks noRot="1" noChangeAspect="1" noMove="1" noResize="1" noEditPoints="1" noAdjustHandles="1" noChangeArrowheads="1" noChangeShapeType="1" noTextEdit="1"/>
+              </p:cNvSpPr>
+              <p:nvPr/>
+            </p:nvSpPr>
+            <p:spPr>
+              <a:xfrm>
+                <a:off x="5110895" y="4887714"/>
+                <a:ext cx="588559" cy="461665"/>
+              </a:xfrm>
+              <a:prstGeom prst="rect">
+                <a:avLst/>
+              </a:prstGeom>
+              <a:blipFill rotWithShape="0">
+                <a:blip r:embed="rId4"/>
+                <a:stretch>
+                  <a:fillRect b="-2632"/>
+                </a:stretch>
+              </a:blipFill>
+            </p:spPr>
+            <p:txBody>
+              <a:bodyPr/>
+              <a:lstStyle/>
+              <a:p>
+                <a:r>
+                  <a:rPr lang="pt-BR">
+                    <a:noFill/>
+                  </a:rPr>
+                  <a:t> </a:t>
+                </a:r>
+              </a:p>
+            </p:txBody>
+          </p:sp>
+        </mc:Fallback>
+      </mc:AlternateContent>
+      <mc:AlternateContent xmlns:mc="http://schemas.openxmlformats.org/markup-compatibility/2006">
+        <mc:Choice xmlns:a14="http://schemas.microsoft.com/office/drawing/2010/main" Requires="a14">
+          <p:sp>
+            <p:nvSpPr>
+              <p:cNvPr id="98" name="Retângulo 97"/>
+              <p:cNvSpPr/>
+              <p:nvPr/>
+            </p:nvSpPr>
+            <p:spPr>
+              <a:xfrm>
+                <a:off x="6156055" y="4852388"/>
+                <a:ext cx="590162" cy="461665"/>
+              </a:xfrm>
+              <a:prstGeom prst="rect">
+                <a:avLst/>
+              </a:prstGeom>
+            </p:spPr>
+            <p:txBody>
+              <a:bodyPr wrap="none">
+                <a:spAutoFit/>
+              </a:bodyPr>
+              <a:lstStyle/>
+              <a:p>
+                <a14:m>
+                  <m:oMathPara xmlns:m="http://schemas.openxmlformats.org/officeDocument/2006/math">
+                    <m:oMathParaPr>
+                      <m:jc m:val="centerGroup"/>
+                    </m:oMathParaPr>
+                    <m:oMath xmlns:m="http://schemas.openxmlformats.org/officeDocument/2006/math">
+                      <m:sSub>
+                        <m:sSubPr>
+                          <m:ctrlPr>
+                            <a:rPr lang="pt-PT" sz="2400" i="1">
+                              <a:latin typeface="Cambria Math" panose="02040503050406030204" pitchFamily="18" charset="0"/>
+                            </a:rPr>
+                          </m:ctrlPr>
+                        </m:sSubPr>
+                        <m:e>
+                          <m:r>
+                            <m:rPr>
+                              <m:sty m:val="p"/>
+                            </m:rPr>
+                            <a:rPr lang="pt-PT" sz="2400">
+                              <a:latin typeface="Cambria Math" panose="02040503050406030204" pitchFamily="18" charset="0"/>
+                            </a:rPr>
+                            <m:t>Δ</m:t>
+                          </m:r>
+                        </m:e>
+                        <m:sub>
+                          <m:r>
+                            <m:rPr>
+                              <m:sty m:val="p"/>
+                            </m:rPr>
+                            <a:rPr lang="pt-PT" sz="2400">
+                              <a:latin typeface="Cambria Math" panose="02040503050406030204" pitchFamily="18" charset="0"/>
+                            </a:rPr>
+                            <m:t>d</m:t>
+                          </m:r>
+                        </m:sub>
+                      </m:sSub>
+                    </m:oMath>
+                  </m:oMathPara>
+                </a14:m>
+                <a:endParaRPr lang="pt-BR" sz="2400" dirty="0"/>
+              </a:p>
+            </p:txBody>
+          </p:sp>
+        </mc:Choice>
+        <mc:Fallback>
+          <p:sp>
+            <p:nvSpPr>
+              <p:cNvPr id="98" name="Retângulo 97"/>
+              <p:cNvSpPr>
+                <a:spLocks noRot="1" noChangeAspect="1" noMove="1" noResize="1" noEditPoints="1" noAdjustHandles="1" noChangeArrowheads="1" noChangeShapeType="1" noTextEdit="1"/>
+              </p:cNvSpPr>
+              <p:nvPr/>
+            </p:nvSpPr>
+            <p:spPr>
+              <a:xfrm>
+                <a:off x="6156055" y="4852388"/>
+                <a:ext cx="590162" cy="461665"/>
+              </a:xfrm>
+              <a:prstGeom prst="rect">
+                <a:avLst/>
+              </a:prstGeom>
+              <a:blipFill rotWithShape="0">
+                <a:blip r:embed="rId5"/>
+                <a:stretch>
+                  <a:fillRect b="-2632"/>
+                </a:stretch>
+              </a:blipFill>
+            </p:spPr>
+            <p:txBody>
+              <a:bodyPr/>
+              <a:lstStyle/>
+              <a:p>
+                <a:r>
+                  <a:rPr lang="pt-BR">
+                    <a:noFill/>
+                  </a:rPr>
+                  <a:t> </a:t>
+                </a:r>
+              </a:p>
+            </p:txBody>
+          </p:sp>
+        </mc:Fallback>
+      </mc:AlternateContent>
+      <mc:AlternateContent xmlns:mc="http://schemas.openxmlformats.org/markup-compatibility/2006">
+        <mc:Choice xmlns:a14="http://schemas.microsoft.com/office/drawing/2010/main" Requires="a14">
+          <p:sp>
+            <p:nvSpPr>
+              <p:cNvPr id="99" name="Retângulo 98"/>
+              <p:cNvSpPr/>
+              <p:nvPr/>
+            </p:nvSpPr>
+            <p:spPr>
+              <a:xfrm>
+                <a:off x="7666292" y="4086952"/>
+                <a:ext cx="590162" cy="461665"/>
+              </a:xfrm>
+              <a:prstGeom prst="rect">
+                <a:avLst/>
+              </a:prstGeom>
+            </p:spPr>
+            <p:txBody>
+              <a:bodyPr wrap="none">
+                <a:spAutoFit/>
+              </a:bodyPr>
+              <a:lstStyle/>
+              <a:p>
+                <a14:m>
+                  <m:oMathPara xmlns:m="http://schemas.openxmlformats.org/officeDocument/2006/math">
+                    <m:oMathParaPr>
+                      <m:jc m:val="centerGroup"/>
+                    </m:oMathParaPr>
+                    <m:oMath xmlns:m="http://schemas.openxmlformats.org/officeDocument/2006/math">
+                      <m:sSub>
+                        <m:sSubPr>
+                          <m:ctrlPr>
+                            <a:rPr lang="pt-PT" sz="2400" i="1">
+                              <a:latin typeface="Cambria Math" panose="02040503050406030204" pitchFamily="18" charset="0"/>
+                            </a:rPr>
+                          </m:ctrlPr>
+                        </m:sSubPr>
+                        <m:e>
+                          <m:r>
+                            <m:rPr>
+                              <m:sty m:val="p"/>
+                            </m:rPr>
+                            <a:rPr lang="pt-PT" sz="2400">
+                              <a:latin typeface="Cambria Math" panose="02040503050406030204" pitchFamily="18" charset="0"/>
+                            </a:rPr>
+                            <m:t>Δ</m:t>
+                          </m:r>
+                        </m:e>
+                        <m:sub>
+                          <m:r>
+                            <m:rPr>
+                              <m:sty m:val="p"/>
+                            </m:rPr>
+                            <a:rPr lang="pt-PT" sz="2400">
+                              <a:latin typeface="Cambria Math" panose="02040503050406030204" pitchFamily="18" charset="0"/>
+                            </a:rPr>
+                            <m:t>d</m:t>
+                          </m:r>
+                        </m:sub>
+                      </m:sSub>
+                    </m:oMath>
+                  </m:oMathPara>
+                </a14:m>
+                <a:endParaRPr lang="pt-BR" sz="2400" dirty="0"/>
+              </a:p>
+            </p:txBody>
+          </p:sp>
+        </mc:Choice>
+        <mc:Fallback>
+          <p:sp>
+            <p:nvSpPr>
+              <p:cNvPr id="99" name="Retângulo 98"/>
+              <p:cNvSpPr>
+                <a:spLocks noRot="1" noChangeAspect="1" noMove="1" noResize="1" noEditPoints="1" noAdjustHandles="1" noChangeArrowheads="1" noChangeShapeType="1" noTextEdit="1"/>
+              </p:cNvSpPr>
+              <p:nvPr/>
+            </p:nvSpPr>
+            <p:spPr>
+              <a:xfrm>
+                <a:off x="7666292" y="4086952"/>
+                <a:ext cx="590162" cy="461665"/>
+              </a:xfrm>
+              <a:prstGeom prst="rect">
+                <a:avLst/>
+              </a:prstGeom>
+              <a:blipFill rotWithShape="0">
+                <a:blip r:embed="rId6"/>
+                <a:stretch>
+                  <a:fillRect b="-2632"/>
+                </a:stretch>
+              </a:blipFill>
+            </p:spPr>
+            <p:txBody>
+              <a:bodyPr/>
+              <a:lstStyle/>
+              <a:p>
+                <a:r>
+                  <a:rPr lang="pt-BR">
+                    <a:noFill/>
+                  </a:rPr>
+                  <a:t> </a:t>
+                </a:r>
+              </a:p>
+            </p:txBody>
+          </p:sp>
+        </mc:Fallback>
+      </mc:AlternateContent>
+      <mc:AlternateContent xmlns:mc="http://schemas.openxmlformats.org/markup-compatibility/2006">
+        <mc:Choice xmlns:a14="http://schemas.microsoft.com/office/drawing/2010/main" Requires="a14">
+          <p:sp>
+            <p:nvSpPr>
+              <p:cNvPr id="100" name="Retângulo 99"/>
+              <p:cNvSpPr/>
+              <p:nvPr/>
+            </p:nvSpPr>
+            <p:spPr>
+              <a:xfrm>
+                <a:off x="7739361" y="2685881"/>
+                <a:ext cx="588559" cy="461665"/>
+              </a:xfrm>
+              <a:prstGeom prst="rect">
+                <a:avLst/>
+              </a:prstGeom>
+            </p:spPr>
+            <p:txBody>
+              <a:bodyPr wrap="none">
+                <a:spAutoFit/>
+              </a:bodyPr>
+              <a:lstStyle/>
+              <a:p>
+                <a14:m>
+                  <m:oMathPara xmlns:m="http://schemas.openxmlformats.org/officeDocument/2006/math">
+                    <m:oMathParaPr>
+                      <m:jc m:val="centerGroup"/>
+                    </m:oMathParaPr>
+                    <m:oMath xmlns:m="http://schemas.openxmlformats.org/officeDocument/2006/math">
+                      <m:sSub>
+                        <m:sSubPr>
+                          <m:ctrlPr>
+                            <a:rPr lang="pt-PT" sz="2400" i="1">
+                              <a:latin typeface="Cambria Math" panose="02040503050406030204" pitchFamily="18" charset="0"/>
+                            </a:rPr>
+                          </m:ctrlPr>
+                        </m:sSubPr>
+                        <m:e>
+                          <m:r>
+                            <m:rPr>
+                              <m:sty m:val="p"/>
+                            </m:rPr>
+                            <a:rPr lang="pt-PT" sz="2400">
+                              <a:latin typeface="Cambria Math" panose="02040503050406030204" pitchFamily="18" charset="0"/>
+                            </a:rPr>
+                            <m:t>Δ</m:t>
+                          </m:r>
+                        </m:e>
+                        <m:sub>
+                          <m:r>
+                            <m:rPr>
+                              <m:sty m:val="p"/>
+                            </m:rPr>
+                            <a:rPr lang="pt-PT" sz="2400">
+                              <a:latin typeface="Cambria Math" panose="02040503050406030204" pitchFamily="18" charset="0"/>
+                            </a:rPr>
+                            <m:t>b</m:t>
+                          </m:r>
+                        </m:sub>
+                      </m:sSub>
+                    </m:oMath>
+                  </m:oMathPara>
+                </a14:m>
+                <a:endParaRPr lang="pt-BR" sz="2400" dirty="0"/>
+              </a:p>
+            </p:txBody>
+          </p:sp>
+        </mc:Choice>
+        <mc:Fallback>
+          <p:sp>
+            <p:nvSpPr>
+              <p:cNvPr id="100" name="Retângulo 99"/>
+              <p:cNvSpPr>
+                <a:spLocks noRot="1" noChangeAspect="1" noMove="1" noResize="1" noEditPoints="1" noAdjustHandles="1" noChangeArrowheads="1" noChangeShapeType="1" noTextEdit="1"/>
+              </p:cNvSpPr>
+              <p:nvPr/>
+            </p:nvSpPr>
+            <p:spPr>
+              <a:xfrm>
+                <a:off x="7739361" y="2685881"/>
+                <a:ext cx="588559" cy="461665"/>
+              </a:xfrm>
+              <a:prstGeom prst="rect">
+                <a:avLst/>
+              </a:prstGeom>
+              <a:blipFill rotWithShape="0">
+                <a:blip r:embed="rId7"/>
+                <a:stretch>
+                  <a:fillRect b="-4000"/>
+                </a:stretch>
+              </a:blipFill>
+            </p:spPr>
+            <p:txBody>
+              <a:bodyPr/>
+              <a:lstStyle/>
+              <a:p>
+                <a:r>
+                  <a:rPr lang="pt-BR">
+                    <a:noFill/>
+                  </a:rPr>
+                  <a:t> </a:t>
+                </a:r>
+              </a:p>
+            </p:txBody>
+          </p:sp>
+        </mc:Fallback>
+      </mc:AlternateContent>
+    </p:spTree>
+    <p:extLst>
+      <p:ext uri="{BB962C8B-B14F-4D97-AF65-F5344CB8AC3E}">
+        <p14:creationId xmlns:p14="http://schemas.microsoft.com/office/powerpoint/2010/main" val="181235970"/>
+      </p:ext>
+    </p:extLst>
+  </p:cSld>
+  <p:clrMapOvr>
+    <a:masterClrMapping/>
+  </p:clrMapOvr>
 </p:sld>
 </file>
 
